--- a/Final_Presentation.pptx
+++ b/Final_Presentation.pptx
@@ -4956,7 +4956,6 @@
               <a:rPr lang="fr-FR" dirty="0" smtClean="0"/>
               <a:t>.</a:t>
             </a:r>
-            <a:endParaRPr lang="fr-FR" dirty="0" smtClean="0"/>
           </a:p>
         </p:txBody>
       </p:sp>
@@ -5244,11 +5243,7 @@
             <a:pPr algn="l"/>
             <a:r>
               <a:rPr lang="fr-CA" dirty="0" smtClean="0"/>
-              <a:t>Our </a:t>
-            </a:r>
-            <a:r>
-              <a:rPr lang="fr-CA" dirty="0" smtClean="0"/>
-              <a:t>Model – Unique Value proposition</a:t>
+              <a:t>Our Model – Unique Value proposition</a:t>
             </a:r>
             <a:endParaRPr lang="fr-FR" dirty="0"/>
           </a:p>
@@ -5508,7 +5503,6 @@
               <a:rPr lang="fr-FR" sz="2800" dirty="0" smtClean="0"/>
               <a:t> location.</a:t>
             </a:r>
-            <a:endParaRPr lang="fr-FR" sz="2800" dirty="0" smtClean="0"/>
           </a:p>
         </p:txBody>
       </p:sp>
@@ -5719,11 +5713,7 @@
             <a:pPr algn="l"/>
             <a:r>
               <a:rPr lang="fr-CA" dirty="0" smtClean="0"/>
-              <a:t>Our </a:t>
-            </a:r>
-            <a:r>
-              <a:rPr lang="fr-CA" dirty="0" smtClean="0"/>
-              <a:t>Model - Data</a:t>
+              <a:t>Our Model - Data</a:t>
             </a:r>
             <a:endParaRPr lang="fr-FR" dirty="0"/>
           </a:p>
@@ -6112,20 +6102,50 @@
           <a:chExt cx="0" cy="0"/>
         </a:xfrm>
       </p:grpSpPr>
-      <p:sp>
-        <p:nvSpPr>
-          <p:cNvPr id="4101" name="Rectangle 5"/>
-          <p:cNvSpPr>
-            <a:spLocks noGrp="1" noChangeArrowheads="1"/>
-          </p:cNvSpPr>
-          <p:nvPr>
-            <p:ph idx="1"/>
-          </p:nvPr>
-        </p:nvSpPr>
+      <p:pic>
+        <p:nvPicPr>
+          <p:cNvPr id="3" name="Picture 2" descr="Screen Shot 2014-09-05 at 12.13.19 AM.png"/>
+          <p:cNvPicPr>
+            <a:picLocks noChangeAspect="1"/>
+          </p:cNvPicPr>
+          <p:nvPr/>
+        </p:nvPicPr>
+        <p:blipFill>
+          <a:blip r:embed="rId4">
+            <a:extLst>
+              <a:ext uri="{28A0092B-C50C-407E-A947-70E740481C1C}">
+                <a14:useLocalDpi xmlns:a14="http://schemas.microsoft.com/office/drawing/2010/main" val="0"/>
+              </a:ext>
+            </a:extLst>
+          </a:blip>
+          <a:stretch>
+            <a:fillRect/>
+          </a:stretch>
+        </p:blipFill>
         <p:spPr>
           <a:xfrm>
-            <a:off x="457200" y="548680"/>
-            <a:ext cx="8229600" cy="5577483"/>
+            <a:off x="3275856" y="813799"/>
+            <a:ext cx="2917304" cy="5063473"/>
+          </a:xfrm>
+          <a:prstGeom prst="rect">
+            <a:avLst/>
+          </a:prstGeom>
+        </p:spPr>
+      </p:pic>
+      <p:sp>
+        <p:nvSpPr>
+          <p:cNvPr id="4101" name="Rectangle 5"/>
+          <p:cNvSpPr>
+            <a:spLocks noGrp="1" noChangeArrowheads="1"/>
+          </p:cNvSpPr>
+          <p:nvPr>
+            <p:ph idx="1"/>
+          </p:nvPr>
+        </p:nvSpPr>
+        <p:spPr>
+          <a:xfrm>
+            <a:off x="3131840" y="116632"/>
+            <a:ext cx="3240360" cy="536923"/>
           </a:xfrm>
           <a:noFill/>
           <a:ln/>

--- a/Final_Presentation.pptx
+++ b/Final_Presentation.pptx
@@ -3940,16 +3940,24 @@
               <a:t>Common </a:t>
             </a:r>
             <a:r>
+              <a:rPr lang="fr-CA" dirty="0" err="1"/>
+              <a:t>C</a:t>
+            </a:r>
+            <a:r>
               <a:rPr lang="fr-CA" dirty="0" err="1" smtClean="0"/>
-              <a:t>criteria</a:t>
+              <a:t>riteria</a:t>
             </a:r>
             <a:r>
               <a:rPr lang="fr-CA" dirty="0" smtClean="0"/>
               <a:t>/</a:t>
             </a:r>
             <a:r>
+              <a:rPr lang="fr-CA" dirty="0" err="1"/>
+              <a:t>C</a:t>
+            </a:r>
+            <a:r>
               <a:rPr lang="fr-CA" dirty="0" err="1" smtClean="0"/>
-              <a:t>concerns</a:t>
+              <a:t>oncerns</a:t>
             </a:r>
             <a:endParaRPr lang="fr-FR" dirty="0"/>
           </a:p>
@@ -4039,7 +4047,275 @@
   <p:timing>
     <p:tnLst>
       <p:par>
-        <p:cTn xmlns:p14="http://schemas.microsoft.com/office/powerpoint/2010/main" id="1" dur="indefinite" restart="never" nodeType="tmRoot"/>
+        <p:cTn xmlns:p14="http://schemas.microsoft.com/office/powerpoint/2010/main" id="1" dur="indefinite" restart="never" nodeType="tmRoot">
+          <p:childTnLst>
+            <p:seq concurrent="1" nextAc="seek">
+              <p:cTn id="2" dur="indefinite" nodeType="mainSeq">
+                <p:childTnLst>
+                  <p:par>
+                    <p:cTn id="3" fill="hold">
+                      <p:stCondLst>
+                        <p:cond delay="indefinite"/>
+                      </p:stCondLst>
+                      <p:childTnLst>
+                        <p:par>
+                          <p:cTn id="4" fill="hold">
+                            <p:stCondLst>
+                              <p:cond delay="0"/>
+                            </p:stCondLst>
+                            <p:childTnLst>
+                              <p:par>
+                                <p:cTn id="5" presetID="1" presetClass="entr" presetSubtype="0" fill="hold" nodeType="clickEffect">
+                                  <p:stCondLst>
+                                    <p:cond delay="0"/>
+                                  </p:stCondLst>
+                                  <p:childTnLst>
+                                    <p:set>
+                                      <p:cBhvr>
+                                        <p:cTn id="6" dur="1" fill="hold">
+                                          <p:stCondLst>
+                                            <p:cond delay="0"/>
+                                          </p:stCondLst>
+                                        </p:cTn>
+                                        <p:tgtEl>
+                                          <p:spTgt spid="4101">
+                                            <p:txEl>
+                                              <p:pRg st="0" end="0"/>
+                                            </p:txEl>
+                                          </p:spTgt>
+                                        </p:tgtEl>
+                                        <p:attrNameLst>
+                                          <p:attrName>style.visibility</p:attrName>
+                                        </p:attrNameLst>
+                                      </p:cBhvr>
+                                      <p:to>
+                                        <p:strVal val="visible"/>
+                                      </p:to>
+                                    </p:set>
+                                  </p:childTnLst>
+                                </p:cTn>
+                              </p:par>
+                            </p:childTnLst>
+                          </p:cTn>
+                        </p:par>
+                      </p:childTnLst>
+                    </p:cTn>
+                  </p:par>
+                  <p:par>
+                    <p:cTn id="7" fill="hold">
+                      <p:stCondLst>
+                        <p:cond delay="indefinite"/>
+                      </p:stCondLst>
+                      <p:childTnLst>
+                        <p:par>
+                          <p:cTn id="8" fill="hold">
+                            <p:stCondLst>
+                              <p:cond delay="0"/>
+                            </p:stCondLst>
+                            <p:childTnLst>
+                              <p:par>
+                                <p:cTn id="9" presetID="1" presetClass="entr" presetSubtype="0" fill="hold" nodeType="clickEffect">
+                                  <p:stCondLst>
+                                    <p:cond delay="0"/>
+                                  </p:stCondLst>
+                                  <p:childTnLst>
+                                    <p:set>
+                                      <p:cBhvr>
+                                        <p:cTn id="10" dur="1" fill="hold">
+                                          <p:stCondLst>
+                                            <p:cond delay="0"/>
+                                          </p:stCondLst>
+                                        </p:cTn>
+                                        <p:tgtEl>
+                                          <p:spTgt spid="4101">
+                                            <p:txEl>
+                                              <p:pRg st="1" end="1"/>
+                                            </p:txEl>
+                                          </p:spTgt>
+                                        </p:tgtEl>
+                                        <p:attrNameLst>
+                                          <p:attrName>style.visibility</p:attrName>
+                                        </p:attrNameLst>
+                                      </p:cBhvr>
+                                      <p:to>
+                                        <p:strVal val="visible"/>
+                                      </p:to>
+                                    </p:set>
+                                  </p:childTnLst>
+                                </p:cTn>
+                              </p:par>
+                            </p:childTnLst>
+                          </p:cTn>
+                        </p:par>
+                      </p:childTnLst>
+                    </p:cTn>
+                  </p:par>
+                  <p:par>
+                    <p:cTn id="11" fill="hold">
+                      <p:stCondLst>
+                        <p:cond delay="indefinite"/>
+                      </p:stCondLst>
+                      <p:childTnLst>
+                        <p:par>
+                          <p:cTn id="12" fill="hold">
+                            <p:stCondLst>
+                              <p:cond delay="0"/>
+                            </p:stCondLst>
+                            <p:childTnLst>
+                              <p:par>
+                                <p:cTn id="13" presetID="1" presetClass="entr" presetSubtype="0" fill="hold" nodeType="clickEffect">
+                                  <p:stCondLst>
+                                    <p:cond delay="0"/>
+                                  </p:stCondLst>
+                                  <p:childTnLst>
+                                    <p:set>
+                                      <p:cBhvr>
+                                        <p:cTn id="14" dur="1" fill="hold">
+                                          <p:stCondLst>
+                                            <p:cond delay="0"/>
+                                          </p:stCondLst>
+                                        </p:cTn>
+                                        <p:tgtEl>
+                                          <p:spTgt spid="4101">
+                                            <p:txEl>
+                                              <p:pRg st="2" end="2"/>
+                                            </p:txEl>
+                                          </p:spTgt>
+                                        </p:tgtEl>
+                                        <p:attrNameLst>
+                                          <p:attrName>style.visibility</p:attrName>
+                                        </p:attrNameLst>
+                                      </p:cBhvr>
+                                      <p:to>
+                                        <p:strVal val="visible"/>
+                                      </p:to>
+                                    </p:set>
+                                  </p:childTnLst>
+                                </p:cTn>
+                              </p:par>
+                            </p:childTnLst>
+                          </p:cTn>
+                        </p:par>
+                      </p:childTnLst>
+                    </p:cTn>
+                  </p:par>
+                  <p:par>
+                    <p:cTn id="15" fill="hold">
+                      <p:stCondLst>
+                        <p:cond delay="indefinite"/>
+                      </p:stCondLst>
+                      <p:childTnLst>
+                        <p:par>
+                          <p:cTn id="16" fill="hold">
+                            <p:stCondLst>
+                              <p:cond delay="0"/>
+                            </p:stCondLst>
+                            <p:childTnLst>
+                              <p:par>
+                                <p:cTn id="17" presetID="1" presetClass="entr" presetSubtype="0" fill="hold" nodeType="clickEffect">
+                                  <p:stCondLst>
+                                    <p:cond delay="0"/>
+                                  </p:stCondLst>
+                                  <p:childTnLst>
+                                    <p:set>
+                                      <p:cBhvr>
+                                        <p:cTn id="18" dur="1" fill="hold">
+                                          <p:stCondLst>
+                                            <p:cond delay="0"/>
+                                          </p:stCondLst>
+                                        </p:cTn>
+                                        <p:tgtEl>
+                                          <p:spTgt spid="4101">
+                                            <p:txEl>
+                                              <p:pRg st="3" end="3"/>
+                                            </p:txEl>
+                                          </p:spTgt>
+                                        </p:tgtEl>
+                                        <p:attrNameLst>
+                                          <p:attrName>style.visibility</p:attrName>
+                                        </p:attrNameLst>
+                                      </p:cBhvr>
+                                      <p:to>
+                                        <p:strVal val="visible"/>
+                                      </p:to>
+                                    </p:set>
+                                  </p:childTnLst>
+                                </p:cTn>
+                              </p:par>
+                            </p:childTnLst>
+                          </p:cTn>
+                        </p:par>
+                      </p:childTnLst>
+                    </p:cTn>
+                  </p:par>
+                  <p:par>
+                    <p:cTn id="19" fill="hold">
+                      <p:stCondLst>
+                        <p:cond delay="indefinite"/>
+                      </p:stCondLst>
+                      <p:childTnLst>
+                        <p:par>
+                          <p:cTn id="20" fill="hold">
+                            <p:stCondLst>
+                              <p:cond delay="0"/>
+                            </p:stCondLst>
+                            <p:childTnLst>
+                              <p:par>
+                                <p:cTn id="21" presetID="1" presetClass="entr" presetSubtype="0" fill="hold" nodeType="clickEffect">
+                                  <p:stCondLst>
+                                    <p:cond delay="0"/>
+                                  </p:stCondLst>
+                                  <p:childTnLst>
+                                    <p:set>
+                                      <p:cBhvr>
+                                        <p:cTn id="22" dur="1" fill="hold">
+                                          <p:stCondLst>
+                                            <p:cond delay="0"/>
+                                          </p:stCondLst>
+                                        </p:cTn>
+                                        <p:tgtEl>
+                                          <p:spTgt spid="4101">
+                                            <p:txEl>
+                                              <p:pRg st="4" end="4"/>
+                                            </p:txEl>
+                                          </p:spTgt>
+                                        </p:tgtEl>
+                                        <p:attrNameLst>
+                                          <p:attrName>style.visibility</p:attrName>
+                                        </p:attrNameLst>
+                                      </p:cBhvr>
+                                      <p:to>
+                                        <p:strVal val="visible"/>
+                                      </p:to>
+                                    </p:set>
+                                  </p:childTnLst>
+                                </p:cTn>
+                              </p:par>
+                            </p:childTnLst>
+                          </p:cTn>
+                        </p:par>
+                      </p:childTnLst>
+                    </p:cTn>
+                  </p:par>
+                </p:childTnLst>
+              </p:cTn>
+              <p:prevCondLst>
+                <p:cond evt="onPrev" delay="0">
+                  <p:tgtEl>
+                    <p:sldTgt/>
+                  </p:tgtEl>
+                </p:cond>
+              </p:prevCondLst>
+              <p:nextCondLst>
+                <p:cond evt="onNext" delay="0">
+                  <p:tgtEl>
+                    <p:sldTgt/>
+                  </p:tgtEl>
+                </p:cond>
+              </p:nextCondLst>
+            </p:seq>
+          </p:childTnLst>
+        </p:cTn>
       </p:par>
     </p:tnLst>
   </p:timing>
@@ -4574,8 +4850,8 @@
         </p:blipFill>
         <p:spPr>
           <a:xfrm>
-            <a:off x="0" y="1484784"/>
-            <a:ext cx="9144000" cy="3220720"/>
+            <a:off x="13921" y="3861048"/>
+            <a:ext cx="4499992" cy="2996952"/>
           </a:xfrm>
           <a:prstGeom prst="rect">
             <a:avLst/>
@@ -4604,8 +4880,8 @@
         </p:blipFill>
         <p:spPr>
           <a:xfrm>
-            <a:off x="0" y="1196752"/>
-            <a:ext cx="9144000" cy="5542883"/>
+            <a:off x="0" y="1196753"/>
+            <a:ext cx="4572000" cy="2592288"/>
           </a:xfrm>
           <a:prstGeom prst="rect">
             <a:avLst/>
@@ -4637,8 +4913,8 @@
         </p:blipFill>
         <p:spPr>
           <a:xfrm>
-            <a:off x="0" y="1124744"/>
-            <a:ext cx="9036496" cy="5616624"/>
+            <a:off x="4559457" y="1196752"/>
+            <a:ext cx="4608512" cy="5544616"/>
           </a:xfrm>
           <a:noFill/>
           <a:ln/>
@@ -5243,20 +5519,368 @@
             <a:pPr algn="l"/>
             <a:r>
               <a:rPr lang="fr-CA" dirty="0" smtClean="0"/>
-              <a:t>Our Model – Unique Value proposition</a:t>
+              <a:t>Unique </a:t>
+            </a:r>
+            <a:r>
+              <a:rPr lang="fr-CA" dirty="0" smtClean="0"/>
+              <a:t>Value </a:t>
+            </a:r>
+            <a:r>
+              <a:rPr lang="fr-CA" dirty="0" smtClean="0"/>
+              <a:t>Proposition</a:t>
             </a:r>
             <a:endParaRPr lang="fr-FR" dirty="0"/>
           </a:p>
         </p:txBody>
       </p:sp>
-      <p:sp>
-        <p:nvSpPr>
-          <p:cNvPr id="4101" name="Rectangle 5"/>
+      <p:graphicFrame>
+        <p:nvGraphicFramePr>
+          <p:cNvPr id="2" name="Content Placeholder 1"/>
+          <p:cNvGraphicFramePr>
+            <a:graphicFrameLocks noGrp="1"/>
+          </p:cNvGraphicFramePr>
+          <p:nvPr>
+            <p:ph idx="1"/>
+            <p:extLst>
+              <p:ext uri="{D42A27DB-BD31-4B8C-83A1-F6EECF244321}">
+                <p14:modId xmlns:p14="http://schemas.microsoft.com/office/powerpoint/2010/main" val="4081243851"/>
+              </p:ext>
+            </p:extLst>
+          </p:nvPr>
+        </p:nvGraphicFramePr>
+        <p:xfrm>
+          <a:off x="323527" y="1916832"/>
+          <a:ext cx="8301609" cy="2745224"/>
+        </p:xfrm>
+        <a:graphic>
+          <a:graphicData uri="http://schemas.openxmlformats.org/drawingml/2006/table">
+            <a:tbl>
+              <a:tblPr firstRow="1" bandRow="1">
+                <a:tableStyleId>{775DCB02-9BB8-47FD-8907-85C794F793BA}</a:tableStyleId>
+              </a:tblPr>
+              <a:tblGrid>
+                <a:gridCol w="2767203"/>
+                <a:gridCol w="2767203"/>
+                <a:gridCol w="2767203"/>
+              </a:tblGrid>
+              <a:tr h="469324">
+                <a:tc>
+                  <a:txBody>
+                    <a:bodyPr/>
+                    <a:lstStyle/>
+                    <a:p>
+                      <a:pPr algn="ctr"/>
+                      <a:r>
+                        <a:rPr lang="en-US" dirty="0" smtClean="0"/>
+                        <a:t>Feature</a:t>
+                      </a:r>
+                      <a:endParaRPr lang="en-US" dirty="0"/>
+                    </a:p>
+                  </a:txBody>
+                  <a:tcPr/>
+                </a:tc>
+                <a:tc>
+                  <a:txBody>
+                    <a:bodyPr/>
+                    <a:lstStyle/>
+                    <a:p>
+                      <a:pPr algn="ctr"/>
+                      <a:r>
+                        <a:rPr lang="en-US" dirty="0" smtClean="0"/>
+                        <a:t>Existing models</a:t>
+                      </a:r>
+                      <a:endParaRPr lang="en-US" dirty="0"/>
+                    </a:p>
+                  </a:txBody>
+                  <a:tcPr/>
+                </a:tc>
+                <a:tc>
+                  <a:txBody>
+                    <a:bodyPr/>
+                    <a:lstStyle/>
+                    <a:p>
+                      <a:pPr algn="ctr"/>
+                      <a:r>
+                        <a:rPr lang="en-US" dirty="0" smtClean="0"/>
+                        <a:t>Our model</a:t>
+                      </a:r>
+                      <a:endParaRPr lang="en-US" dirty="0"/>
+                    </a:p>
+                  </a:txBody>
+                  <a:tcPr/>
+                </a:tc>
+              </a:tr>
+              <a:tr h="810066">
+                <a:tc>
+                  <a:txBody>
+                    <a:bodyPr/>
+                    <a:lstStyle/>
+                    <a:p>
+                      <a:r>
+                        <a:rPr lang="en-US" dirty="0" smtClean="0"/>
+                        <a:t>Calculate maximum house price</a:t>
+                      </a:r>
+                      <a:endParaRPr lang="en-US" dirty="0"/>
+                    </a:p>
+                  </a:txBody>
+                  <a:tcPr/>
+                </a:tc>
+                <a:tc>
+                  <a:txBody>
+                    <a:bodyPr/>
+                    <a:lstStyle/>
+                    <a:p>
+                      <a:pPr algn="ctr"/>
+                      <a:r>
+                        <a:rPr lang="en-US" sz="2800" dirty="0" smtClean="0">
+                          <a:solidFill>
+                            <a:srgbClr val="008000"/>
+                          </a:solidFill>
+                          <a:latin typeface="Wingdings"/>
+                          <a:ea typeface="Wingdings"/>
+                          <a:cs typeface="Wingdings"/>
+                          <a:sym typeface="Wingdings"/>
+                        </a:rPr>
+                        <a:t></a:t>
+                      </a:r>
+                      <a:endParaRPr lang="en-US" sz="2800" dirty="0">
+                        <a:solidFill>
+                          <a:srgbClr val="008000"/>
+                        </a:solidFill>
+                      </a:endParaRPr>
+                    </a:p>
+                  </a:txBody>
+                  <a:tcPr/>
+                </a:tc>
+                <a:tc>
+                  <a:txBody>
+                    <a:bodyPr/>
+                    <a:lstStyle/>
+                    <a:p>
+                      <a:pPr algn="ctr"/>
+                      <a:r>
+                        <a:rPr lang="en-US" sz="2800" dirty="0" smtClean="0">
+                          <a:solidFill>
+                            <a:srgbClr val="008000"/>
+                          </a:solidFill>
+                          <a:latin typeface="Wingdings"/>
+                          <a:ea typeface="Wingdings"/>
+                          <a:cs typeface="Wingdings"/>
+                          <a:sym typeface="Wingdings"/>
+                        </a:rPr>
+                        <a:t></a:t>
+                      </a:r>
+                      <a:endParaRPr lang="en-US" sz="2800" dirty="0">
+                        <a:solidFill>
+                          <a:srgbClr val="008000"/>
+                        </a:solidFill>
+                      </a:endParaRPr>
+                    </a:p>
+                  </a:txBody>
+                  <a:tcPr/>
+                </a:tc>
+              </a:tr>
+              <a:tr h="810066">
+                <a:tc>
+                  <a:txBody>
+                    <a:bodyPr/>
+                    <a:lstStyle/>
+                    <a:p>
+                      <a:r>
+                        <a:rPr lang="en-US" dirty="0" smtClean="0"/>
+                        <a:t>Compare price to target area</a:t>
+                      </a:r>
+                      <a:endParaRPr lang="en-US" dirty="0"/>
+                    </a:p>
+                  </a:txBody>
+                  <a:tcPr/>
+                </a:tc>
+                <a:tc>
+                  <a:txBody>
+                    <a:bodyPr/>
+                    <a:lstStyle/>
+                    <a:p>
+                      <a:pPr algn="ctr"/>
+                      <a:r>
+                        <a:rPr lang="en-US" sz="2800" dirty="0" smtClean="0">
+                          <a:solidFill>
+                            <a:srgbClr val="FF0000"/>
+                          </a:solidFill>
+                          <a:latin typeface="Wingdings"/>
+                          <a:ea typeface="Wingdings"/>
+                          <a:cs typeface="Wingdings"/>
+                          <a:sym typeface="Wingdings"/>
+                        </a:rPr>
+                        <a:t></a:t>
+                      </a:r>
+                      <a:endParaRPr lang="en-US" sz="2800" dirty="0">
+                        <a:solidFill>
+                          <a:srgbClr val="FF0000"/>
+                        </a:solidFill>
+                      </a:endParaRPr>
+                    </a:p>
+                  </a:txBody>
+                  <a:tcPr/>
+                </a:tc>
+                <a:tc>
+                  <a:txBody>
+                    <a:bodyPr/>
+                    <a:lstStyle/>
+                    <a:p>
+                      <a:pPr algn="ctr"/>
+                      <a:r>
+                        <a:rPr lang="en-US" sz="2800" dirty="0" smtClean="0">
+                          <a:solidFill>
+                            <a:srgbClr val="008000"/>
+                          </a:solidFill>
+                          <a:latin typeface="Wingdings"/>
+                          <a:ea typeface="Wingdings"/>
+                          <a:cs typeface="Wingdings"/>
+                          <a:sym typeface="Wingdings"/>
+                        </a:rPr>
+                        <a:t></a:t>
+                      </a:r>
+                      <a:endParaRPr lang="en-US" sz="2800" dirty="0">
+                        <a:solidFill>
+                          <a:srgbClr val="008000"/>
+                        </a:solidFill>
+                      </a:endParaRPr>
+                    </a:p>
+                  </a:txBody>
+                  <a:tcPr/>
+                </a:tc>
+              </a:tr>
+              <a:tr h="655768">
+                <a:tc>
+                  <a:txBody>
+                    <a:bodyPr/>
+                    <a:lstStyle/>
+                    <a:p>
+                      <a:r>
+                        <a:rPr lang="en-US" dirty="0" smtClean="0"/>
+                        <a:t>Suggest alternate areas</a:t>
+                      </a:r>
+                      <a:endParaRPr lang="en-US" dirty="0"/>
+                    </a:p>
+                  </a:txBody>
+                  <a:tcPr/>
+                </a:tc>
+                <a:tc>
+                  <a:txBody>
+                    <a:bodyPr/>
+                    <a:lstStyle/>
+                    <a:p>
+                      <a:pPr algn="ctr"/>
+                      <a:r>
+                        <a:rPr lang="en-US" sz="2800" dirty="0" smtClean="0">
+                          <a:solidFill>
+                            <a:srgbClr val="FF0000"/>
+                          </a:solidFill>
+                          <a:latin typeface="Wingdings"/>
+                          <a:ea typeface="Wingdings"/>
+                          <a:cs typeface="Wingdings"/>
+                          <a:sym typeface="Wingdings"/>
+                        </a:rPr>
+                        <a:t></a:t>
+                      </a:r>
+                      <a:endParaRPr lang="en-US" sz="2800" dirty="0">
+                        <a:solidFill>
+                          <a:srgbClr val="FF0000"/>
+                        </a:solidFill>
+                      </a:endParaRPr>
+                    </a:p>
+                  </a:txBody>
+                  <a:tcPr/>
+                </a:tc>
+                <a:tc>
+                  <a:txBody>
+                    <a:bodyPr/>
+                    <a:lstStyle/>
+                    <a:p>
+                      <a:pPr algn="ctr"/>
+                      <a:r>
+                        <a:rPr lang="en-US" sz="2800" dirty="0" smtClean="0">
+                          <a:solidFill>
+                            <a:srgbClr val="008000"/>
+                          </a:solidFill>
+                          <a:latin typeface="Wingdings"/>
+                          <a:ea typeface="Wingdings"/>
+                          <a:cs typeface="Wingdings"/>
+                          <a:sym typeface="Wingdings"/>
+                        </a:rPr>
+                        <a:t></a:t>
+                      </a:r>
+                      <a:endParaRPr lang="en-US" sz="2800" dirty="0">
+                        <a:solidFill>
+                          <a:srgbClr val="008000"/>
+                        </a:solidFill>
+                      </a:endParaRPr>
+                    </a:p>
+                  </a:txBody>
+                  <a:tcPr/>
+                </a:tc>
+              </a:tr>
+            </a:tbl>
+          </a:graphicData>
+        </a:graphic>
+      </p:graphicFrame>
+    </p:spTree>
+    <p:extLst>
+      <p:ext uri="{BB962C8B-B14F-4D97-AF65-F5344CB8AC3E}">
+        <p14:creationId xmlns:p14="http://schemas.microsoft.com/office/powerpoint/2010/main" val="461825633"/>
+      </p:ext>
+    </p:extLst>
+  </p:cSld>
+  <p:clrMapOvr>
+    <a:overrideClrMapping bg1="lt1" tx1="dk1" bg2="lt2" tx2="dk2" accent1="accent1" accent2="accent2" accent3="accent3" accent4="accent4" accent5="accent5" accent6="accent6" hlink="hlink" folHlink="folHlink"/>
+  </p:clrMapOvr>
+  <p:timing>
+    <p:tnLst>
+      <p:par>
+        <p:cTn xmlns:p14="http://schemas.microsoft.com/office/powerpoint/2010/main" id="1" dur="indefinite" restart="never" nodeType="tmRoot"/>
+      </p:par>
+    </p:tnLst>
+  </p:timing>
+</p:sld>
+</file>
+
+<file path=ppt/slides/slide8.xml><?xml version="1.0" encoding="utf-8"?>
+<p:sld xmlns:a="http://schemas.openxmlformats.org/drawingml/2006/main" xmlns:r="http://schemas.openxmlformats.org/officeDocument/2006/relationships" xmlns:p="http://schemas.openxmlformats.org/presentationml/2006/main">
+  <p:cSld>
+    <p:bg>
+      <p:bgPr>
+        <a:blipFill dpi="0" rotWithShape="0">
+          <a:blip r:embed="rId3"/>
+          <a:srcRect/>
+          <a:stretch>
+            <a:fillRect/>
+          </a:stretch>
+        </a:blipFill>
+        <a:effectLst/>
+      </p:bgPr>
+    </p:bg>
+    <p:spTree>
+      <p:nvGrpSpPr>
+        <p:cNvPr id="1" name=""/>
+        <p:cNvGrpSpPr/>
+        <p:nvPr/>
+      </p:nvGrpSpPr>
+      <p:grpSpPr>
+        <a:xfrm>
+          <a:off x="0" y="0"/>
+          <a:ext cx="0" cy="0"/>
+          <a:chOff x="0" y="0"/>
+          <a:chExt cx="0" cy="0"/>
+        </a:xfrm>
+      </p:grpSpPr>
+      <p:sp>
+        <p:nvSpPr>
+          <p:cNvPr id="4100" name="Rectangle 4"/>
           <p:cNvSpPr>
             <a:spLocks noGrp="1" noChangeArrowheads="1"/>
           </p:cNvSpPr>
           <p:nvPr>
-            <p:ph idx="1"/>
+            <p:ph type="title"/>
           </p:nvPr>
         </p:nvSpPr>
         <p:spPr>
@@ -5267,25 +5891,52 @@
           <a:bodyPr/>
           <a:lstStyle/>
           <a:p>
+            <a:pPr algn="l"/>
+            <a:r>
+              <a:rPr lang="fr-CA" dirty="0" smtClean="0"/>
+              <a:t>Data</a:t>
+            </a:r>
+            <a:endParaRPr lang="fr-FR" dirty="0"/>
+          </a:p>
+        </p:txBody>
+      </p:sp>
+      <p:sp>
+        <p:nvSpPr>
+          <p:cNvPr id="4101" name="Rectangle 5"/>
+          <p:cNvSpPr>
+            <a:spLocks noGrp="1" noChangeArrowheads="1"/>
+          </p:cNvSpPr>
+          <p:nvPr>
+            <p:ph idx="1"/>
+          </p:nvPr>
+        </p:nvSpPr>
+        <p:spPr>
+          <a:noFill/>
+          <a:ln/>
+        </p:spPr>
+        <p:txBody>
+          <a:bodyPr/>
+          <a:lstStyle/>
+          <a:p>
+            <a:r>
+              <a:rPr lang="fr-FR" sz="2800" dirty="0" err="1"/>
+              <a:t>G</a:t>
+            </a:r>
             <a:r>
               <a:rPr lang="fr-FR" sz="2800" dirty="0" err="1" smtClean="0"/>
-              <a:t>Existing</a:t>
+              <a:t>ot</a:t>
             </a:r>
             <a:r>
               <a:rPr lang="fr-FR" sz="2800" dirty="0" smtClean="0"/>
               <a:t> </a:t>
             </a:r>
             <a:r>
+              <a:rPr lang="fr-FR" sz="2800" dirty="0" smtClean="0"/>
+              <a:t>the data for </a:t>
+            </a:r>
+            <a:r>
               <a:rPr lang="fr-FR" sz="2800" dirty="0" err="1" smtClean="0"/>
-              <a:t>tools</a:t>
-            </a:r>
-            <a:r>
-              <a:rPr lang="fr-FR" sz="2800" dirty="0" smtClean="0"/>
-              <a:t> stop </a:t>
-            </a:r>
-            <a:r>
-              <a:rPr lang="fr-FR" sz="2800" dirty="0" err="1" smtClean="0"/>
-              <a:t>at</a:t>
+              <a:t>median</a:t>
             </a:r>
             <a:r>
               <a:rPr lang="fr-FR" sz="2800" dirty="0" smtClean="0"/>
@@ -5293,7 +5944,90 @@
             </a:r>
             <a:r>
               <a:rPr lang="fr-FR" sz="2800" dirty="0" err="1" smtClean="0"/>
-              <a:t>telling</a:t>
+              <a:t>prices</a:t>
+            </a:r>
+            <a:r>
+              <a:rPr lang="fr-FR" sz="2800" dirty="0" smtClean="0"/>
+              <a:t>:</a:t>
+            </a:r>
+          </a:p>
+          <a:p>
+            <a:pPr lvl="1">
+              <a:buFont typeface="Arial"/>
+              <a:buChar char="•"/>
+            </a:pPr>
+            <a:r>
+              <a:rPr lang="fr-FR" sz="2400" dirty="0" smtClean="0"/>
+              <a:t>2 </a:t>
+            </a:r>
+            <a:r>
+              <a:rPr lang="fr-FR" sz="2400" dirty="0" err="1" smtClean="0"/>
+              <a:t>bedroom</a:t>
+            </a:r>
+            <a:r>
+              <a:rPr lang="fr-FR" sz="2400" dirty="0"/>
+              <a:t> </a:t>
+            </a:r>
+            <a:r>
+              <a:rPr lang="fr-FR" sz="2400" dirty="0" err="1"/>
+              <a:t>houses</a:t>
+            </a:r>
+            <a:r>
+              <a:rPr lang="fr-FR" sz="2400" dirty="0"/>
+              <a:t> </a:t>
+            </a:r>
+            <a:endParaRPr lang="fr-FR" sz="2400" dirty="0" smtClean="0"/>
+          </a:p>
+          <a:p>
+            <a:pPr lvl="1">
+              <a:buFont typeface="Arial"/>
+              <a:buChar char="•"/>
+            </a:pPr>
+            <a:r>
+              <a:rPr lang="fr-FR" sz="2400" dirty="0" smtClean="0"/>
+              <a:t>3 </a:t>
+            </a:r>
+            <a:r>
+              <a:rPr lang="fr-FR" sz="2400" dirty="0" err="1" smtClean="0"/>
+              <a:t>bedroom</a:t>
+            </a:r>
+            <a:r>
+              <a:rPr lang="fr-FR" sz="2400" dirty="0" smtClean="0"/>
+              <a:t> </a:t>
+            </a:r>
+            <a:r>
+              <a:rPr lang="fr-FR" sz="2400" dirty="0" err="1"/>
+              <a:t>houses</a:t>
+            </a:r>
+            <a:endParaRPr lang="fr-FR" sz="2400" dirty="0"/>
+          </a:p>
+          <a:p>
+            <a:pPr lvl="1">
+              <a:buFont typeface="Arial"/>
+              <a:buChar char="•"/>
+            </a:pPr>
+            <a:r>
+              <a:rPr lang="fr-FR" sz="2400" dirty="0" smtClean="0"/>
+              <a:t>4 </a:t>
+            </a:r>
+            <a:r>
+              <a:rPr lang="fr-FR" sz="2400" dirty="0" err="1" smtClean="0"/>
+              <a:t>bedroom</a:t>
+            </a:r>
+            <a:r>
+              <a:rPr lang="fr-FR" sz="2400" dirty="0" smtClean="0"/>
+              <a:t> </a:t>
+            </a:r>
+            <a:r>
+              <a:rPr lang="fr-FR" sz="2400" dirty="0" err="1" smtClean="0"/>
+              <a:t>houses</a:t>
+            </a:r>
+            <a:endParaRPr lang="fr-FR" sz="2400" dirty="0" smtClean="0"/>
+          </a:p>
+          <a:p>
+            <a:r>
+              <a:rPr lang="fr-FR" sz="2800" dirty="0" err="1" smtClean="0"/>
+              <a:t>Cleaned</a:t>
             </a:r>
             <a:r>
               <a:rPr lang="fr-FR" sz="2800" dirty="0" smtClean="0"/>
@@ -5301,15 +6035,21 @@
             </a:r>
             <a:r>
               <a:rPr lang="fr-FR" sz="2800" dirty="0" err="1" smtClean="0"/>
-              <a:t>you</a:t>
+              <a:t>it</a:t>
             </a:r>
             <a:r>
               <a:rPr lang="fr-FR" sz="2800" dirty="0" smtClean="0"/>
-              <a:t> the maximum </a:t>
+              <a:t>.</a:t>
+            </a:r>
+          </a:p>
+          <a:p>
+            <a:r>
+              <a:rPr lang="fr-FR" sz="2800" dirty="0" err="1"/>
+              <a:t>F</a:t>
             </a:r>
             <a:r>
               <a:rPr lang="fr-FR" sz="2800" dirty="0" err="1" smtClean="0"/>
-              <a:t>you</a:t>
+              <a:t>ormatted</a:t>
             </a:r>
             <a:r>
               <a:rPr lang="fr-FR" sz="2800" dirty="0" smtClean="0"/>
@@ -5317,199 +6057,34 @@
             </a:r>
             <a:r>
               <a:rPr lang="fr-FR" sz="2800" dirty="0" err="1" smtClean="0"/>
-              <a:t>can</a:t>
+              <a:t>it</a:t>
             </a:r>
             <a:r>
               <a:rPr lang="fr-FR" sz="2800" dirty="0" smtClean="0"/>
-              <a:t> </a:t>
+              <a:t>.</a:t>
+            </a:r>
+          </a:p>
+          <a:p>
+            <a:r>
+              <a:rPr lang="fr-FR" sz="2800" dirty="0" smtClean="0"/>
+              <a:t>Limited </a:t>
             </a:r>
             <a:r>
               <a:rPr lang="fr-FR" sz="2800" dirty="0" err="1" smtClean="0"/>
-              <a:t>afford</a:t>
+              <a:t>it</a:t>
             </a:r>
             <a:r>
               <a:rPr lang="fr-FR" sz="2800" dirty="0" smtClean="0"/>
-              <a:t> to </a:t>
-            </a:r>
-            <a:r>
-              <a:rPr lang="fr-FR" sz="2800" dirty="0" err="1" smtClean="0"/>
-              <a:t>pay</a:t>
-            </a:r>
-            <a:r>
-              <a:rPr lang="fr-FR" sz="2800" dirty="0" smtClean="0"/>
-              <a:t> for a house.</a:t>
-            </a:r>
-          </a:p>
-          <a:p>
-            <a:r>
-              <a:rPr lang="fr-FR" sz="2800" dirty="0" smtClean="0"/>
-              <a:t>Our model </a:t>
-            </a:r>
-            <a:r>
-              <a:rPr lang="fr-FR" sz="2800" dirty="0" err="1" smtClean="0"/>
-              <a:t>goes</a:t>
-            </a:r>
-            <a:r>
-              <a:rPr lang="fr-FR" sz="2800" dirty="0" smtClean="0"/>
-              <a:t> </a:t>
-            </a:r>
-            <a:r>
-              <a:rPr lang="fr-FR" sz="2800" dirty="0" err="1" smtClean="0"/>
-              <a:t>beyond</a:t>
-            </a:r>
-            <a:r>
-              <a:rPr lang="fr-FR" sz="2800" dirty="0" smtClean="0"/>
-              <a:t> </a:t>
-            </a:r>
-            <a:r>
-              <a:rPr lang="fr-FR" sz="2800" dirty="0" err="1" smtClean="0"/>
-              <a:t>that</a:t>
-            </a:r>
-            <a:r>
-              <a:rPr lang="fr-FR" sz="2800" dirty="0" smtClean="0"/>
-              <a:t> and tells </a:t>
-            </a:r>
-            <a:r>
-              <a:rPr lang="fr-FR" sz="2800" dirty="0" err="1" smtClean="0"/>
-              <a:t>you</a:t>
-            </a:r>
-            <a:r>
-              <a:rPr lang="fr-FR" sz="2800" dirty="0" smtClean="0"/>
-              <a:t> if </a:t>
-            </a:r>
-            <a:r>
-              <a:rPr lang="fr-FR" sz="2800" dirty="0" err="1" smtClean="0"/>
-              <a:t>that</a:t>
-            </a:r>
-            <a:r>
-              <a:rPr lang="fr-FR" sz="2800" dirty="0" smtClean="0"/>
-              <a:t> </a:t>
-            </a:r>
-            <a:r>
-              <a:rPr lang="fr-FR" sz="2800" dirty="0" err="1" smtClean="0"/>
-              <a:t>is</a:t>
-            </a:r>
-            <a:r>
-              <a:rPr lang="fr-FR" sz="2800" dirty="0" smtClean="0"/>
-              <a:t> </a:t>
-            </a:r>
-            <a:r>
-              <a:rPr lang="fr-FR" sz="2800" dirty="0" err="1" smtClean="0"/>
-              <a:t>enough</a:t>
-            </a:r>
-            <a:r>
-              <a:rPr lang="fr-FR" sz="2800" dirty="0" smtClean="0"/>
-              <a:t> for </a:t>
-            </a:r>
-            <a:r>
-              <a:rPr lang="fr-FR" sz="2800" dirty="0" err="1" smtClean="0"/>
-              <a:t>your</a:t>
-            </a:r>
-            <a:r>
-              <a:rPr lang="fr-FR" sz="2800" dirty="0" smtClean="0"/>
-              <a:t> </a:t>
-            </a:r>
-            <a:r>
-              <a:rPr lang="fr-FR" sz="2800" dirty="0" err="1" smtClean="0"/>
-              <a:t>target</a:t>
-            </a:r>
-            <a:r>
-              <a:rPr lang="fr-FR" sz="2800" dirty="0" smtClean="0"/>
-              <a:t> area or not.</a:t>
-            </a:r>
-          </a:p>
-          <a:p>
-            <a:r>
-              <a:rPr lang="fr-FR" sz="2800" dirty="0" smtClean="0"/>
-              <a:t>It </a:t>
-            </a:r>
-            <a:r>
-              <a:rPr lang="fr-FR" sz="2800" dirty="0" err="1" smtClean="0"/>
-              <a:t>goes</a:t>
-            </a:r>
-            <a:r>
-              <a:rPr lang="fr-FR" sz="2800" dirty="0" smtClean="0"/>
-              <a:t> </a:t>
-            </a:r>
-            <a:r>
-              <a:rPr lang="fr-FR" sz="2800" dirty="0" err="1" smtClean="0"/>
-              <a:t>further</a:t>
-            </a:r>
-            <a:r>
-              <a:rPr lang="fr-FR" sz="2800" dirty="0" smtClean="0"/>
-              <a:t> and shows </a:t>
-            </a:r>
-            <a:r>
-              <a:rPr lang="fr-FR" sz="2800" dirty="0" err="1" smtClean="0"/>
-              <a:t>you</a:t>
-            </a:r>
-            <a:r>
-              <a:rPr lang="fr-FR" sz="2800" dirty="0" smtClean="0"/>
-              <a:t> </a:t>
-            </a:r>
-            <a:r>
-              <a:rPr lang="fr-FR" sz="2800" dirty="0" err="1" smtClean="0"/>
-              <a:t>alternate</a:t>
-            </a:r>
-            <a:r>
-              <a:rPr lang="fr-FR" sz="2800" dirty="0" smtClean="0"/>
-              <a:t> areas </a:t>
-            </a:r>
-            <a:r>
-              <a:rPr lang="fr-FR" sz="2800" dirty="0" err="1" smtClean="0"/>
-              <a:t>you</a:t>
-            </a:r>
-            <a:r>
-              <a:rPr lang="fr-FR" sz="2800" dirty="0" smtClean="0"/>
-              <a:t> </a:t>
-            </a:r>
-            <a:r>
-              <a:rPr lang="fr-FR" sz="2800" dirty="0" err="1" smtClean="0"/>
-              <a:t>should</a:t>
-            </a:r>
-            <a:r>
-              <a:rPr lang="fr-FR" sz="2800" dirty="0" smtClean="0"/>
-              <a:t> look </a:t>
-            </a:r>
-            <a:r>
-              <a:rPr lang="fr-FR" sz="2800" dirty="0" err="1" smtClean="0"/>
-              <a:t>at</a:t>
-            </a:r>
-            <a:r>
-              <a:rPr lang="fr-FR" sz="2800" dirty="0" smtClean="0"/>
-              <a:t> </a:t>
-            </a:r>
-            <a:r>
-              <a:rPr lang="fr-FR" sz="2800" dirty="0" err="1" smtClean="0"/>
-              <a:t>based</a:t>
-            </a:r>
-            <a:r>
-              <a:rPr lang="fr-FR" sz="2800" dirty="0" smtClean="0"/>
-              <a:t> on </a:t>
-            </a:r>
-            <a:r>
-              <a:rPr lang="fr-FR" sz="2800" dirty="0" err="1" smtClean="0"/>
-              <a:t>your</a:t>
-            </a:r>
-            <a:r>
-              <a:rPr lang="fr-FR" sz="2800" dirty="0" smtClean="0"/>
-              <a:t> budget and </a:t>
-            </a:r>
-            <a:r>
-              <a:rPr lang="fr-FR" sz="2800" dirty="0" err="1" smtClean="0"/>
-              <a:t>geographic</a:t>
-            </a:r>
-            <a:r>
-              <a:rPr lang="fr-FR" sz="2800" dirty="0" smtClean="0"/>
-              <a:t> location.</a:t>
-            </a:r>
+              <a:t>.</a:t>
+            </a:r>
+            <a:endParaRPr lang="fr-FR" sz="2800" dirty="0" smtClean="0"/>
           </a:p>
         </p:txBody>
       </p:sp>
     </p:spTree>
     <p:extLst>
       <p:ext uri="{BB962C8B-B14F-4D97-AF65-F5344CB8AC3E}">
-        <p14:creationId xmlns:p14="http://schemas.microsoft.com/office/powerpoint/2010/main" val="461825633"/>
+        <p14:creationId xmlns:p14="http://schemas.microsoft.com/office/powerpoint/2010/main" val="3500037232"/>
       </p:ext>
     </p:extLst>
   </p:cSld>
@@ -5528,9 +6103,6 @@
                     <p:cTn id="3" fill="hold">
                       <p:stCondLst>
                         <p:cond delay="indefinite"/>
-                        <p:cond evt="onBegin" delay="0">
-                          <p:tn val="2"/>
-                        </p:cond>
                       </p:stCondLst>
                       <p:childTnLst>
                         <p:par>
@@ -5540,7 +6112,7 @@
                             </p:stCondLst>
                             <p:childTnLst>
                               <p:par>
-                                <p:cTn id="5" presetID="1" presetClass="entr" presetSubtype="0" fill="hold" nodeType="withEffect">
+                                <p:cTn id="5" presetID="1" presetClass="entr" presetSubtype="0" fill="hold" nodeType="clickEffect">
                                   <p:stCondLst>
                                     <p:cond delay="0"/>
                                   </p:stCondLst>
@@ -5632,332 +6204,15 @@
                                   </p:childTnLst>
                                 </p:cTn>
                               </p:par>
-                            </p:childTnLst>
-                          </p:cTn>
-                        </p:par>
-                      </p:childTnLst>
-                    </p:cTn>
-                  </p:par>
-                </p:childTnLst>
-              </p:cTn>
-              <p:prevCondLst>
-                <p:cond evt="onPrev" delay="0">
-                  <p:tgtEl>
-                    <p:sldTgt/>
-                  </p:tgtEl>
-                </p:cond>
-              </p:prevCondLst>
-              <p:nextCondLst>
-                <p:cond evt="onNext" delay="0">
-                  <p:tgtEl>
-                    <p:sldTgt/>
-                  </p:tgtEl>
-                </p:cond>
-              </p:nextCondLst>
-            </p:seq>
-          </p:childTnLst>
-        </p:cTn>
-      </p:par>
-    </p:tnLst>
-  </p:timing>
-</p:sld>
-</file>
-
-<file path=ppt/slides/slide8.xml><?xml version="1.0" encoding="utf-8"?>
-<p:sld xmlns:a="http://schemas.openxmlformats.org/drawingml/2006/main" xmlns:r="http://schemas.openxmlformats.org/officeDocument/2006/relationships" xmlns:p="http://schemas.openxmlformats.org/presentationml/2006/main">
-  <p:cSld>
-    <p:bg>
-      <p:bgPr>
-        <a:blipFill dpi="0" rotWithShape="0">
-          <a:blip r:embed="rId3"/>
-          <a:srcRect/>
-          <a:stretch>
-            <a:fillRect/>
-          </a:stretch>
-        </a:blipFill>
-        <a:effectLst/>
-      </p:bgPr>
-    </p:bg>
-    <p:spTree>
-      <p:nvGrpSpPr>
-        <p:cNvPr id="1" name=""/>
-        <p:cNvGrpSpPr/>
-        <p:nvPr/>
-      </p:nvGrpSpPr>
-      <p:grpSpPr>
-        <a:xfrm>
-          <a:off x="0" y="0"/>
-          <a:ext cx="0" cy="0"/>
-          <a:chOff x="0" y="0"/>
-          <a:chExt cx="0" cy="0"/>
-        </a:xfrm>
-      </p:grpSpPr>
-      <p:sp>
-        <p:nvSpPr>
-          <p:cNvPr id="4100" name="Rectangle 4"/>
-          <p:cNvSpPr>
-            <a:spLocks noGrp="1" noChangeArrowheads="1"/>
-          </p:cNvSpPr>
-          <p:nvPr>
-            <p:ph type="title"/>
-          </p:nvPr>
-        </p:nvSpPr>
-        <p:spPr>
-          <a:noFill/>
-          <a:ln/>
-        </p:spPr>
-        <p:txBody>
-          <a:bodyPr/>
-          <a:lstStyle/>
-          <a:p>
-            <a:pPr algn="l"/>
-            <a:r>
-              <a:rPr lang="fr-CA" dirty="0" smtClean="0"/>
-              <a:t>Our Model - Data</a:t>
-            </a:r>
-            <a:endParaRPr lang="fr-FR" dirty="0"/>
-          </a:p>
-        </p:txBody>
-      </p:sp>
-      <p:sp>
-        <p:nvSpPr>
-          <p:cNvPr id="4101" name="Rectangle 5"/>
-          <p:cNvSpPr>
-            <a:spLocks noGrp="1" noChangeArrowheads="1"/>
-          </p:cNvSpPr>
-          <p:nvPr>
-            <p:ph idx="1"/>
-          </p:nvPr>
-        </p:nvSpPr>
-        <p:spPr>
-          <a:noFill/>
-          <a:ln/>
-        </p:spPr>
-        <p:txBody>
-          <a:bodyPr/>
-          <a:lstStyle/>
-          <a:p>
-            <a:r>
-              <a:rPr lang="fr-FR" sz="2800" dirty="0" err="1" smtClean="0"/>
-              <a:t>We</a:t>
-            </a:r>
-            <a:r>
-              <a:rPr lang="fr-FR" sz="2800" dirty="0" smtClean="0"/>
-              <a:t> </a:t>
-            </a:r>
-            <a:r>
-              <a:rPr lang="fr-FR" sz="2800" dirty="0" err="1" smtClean="0"/>
-              <a:t>got</a:t>
-            </a:r>
-            <a:r>
-              <a:rPr lang="fr-FR" sz="2800" dirty="0" smtClean="0"/>
-              <a:t> the data for </a:t>
-            </a:r>
-            <a:r>
-              <a:rPr lang="fr-FR" sz="2800" dirty="0" err="1" smtClean="0"/>
-              <a:t>median</a:t>
-            </a:r>
-            <a:r>
-              <a:rPr lang="fr-FR" sz="2800" dirty="0" smtClean="0"/>
-              <a:t> </a:t>
-            </a:r>
-            <a:r>
-              <a:rPr lang="fr-FR" sz="2800" dirty="0" err="1" smtClean="0"/>
-              <a:t>prices</a:t>
-            </a:r>
-            <a:r>
-              <a:rPr lang="fr-FR" sz="2800" dirty="0" smtClean="0"/>
-              <a:t> for 2 </a:t>
-            </a:r>
-            <a:r>
-              <a:rPr lang="fr-FR" sz="2800" dirty="0" err="1" smtClean="0"/>
-              <a:t>bedroom</a:t>
-            </a:r>
-            <a:r>
-              <a:rPr lang="fr-FR" sz="2800" dirty="0" smtClean="0"/>
-              <a:t>, 3 </a:t>
-            </a:r>
-            <a:r>
-              <a:rPr lang="fr-FR" sz="2800" dirty="0" err="1" smtClean="0"/>
-              <a:t>bedroom</a:t>
-            </a:r>
-            <a:r>
-              <a:rPr lang="fr-FR" sz="2800" dirty="0" smtClean="0"/>
-              <a:t> and 4 </a:t>
-            </a:r>
-            <a:r>
-              <a:rPr lang="fr-FR" sz="2800" dirty="0" err="1" smtClean="0"/>
-              <a:t>beroom</a:t>
-            </a:r>
-            <a:r>
-              <a:rPr lang="fr-FR" sz="2800" dirty="0" smtClean="0"/>
-              <a:t> </a:t>
-            </a:r>
-            <a:r>
-              <a:rPr lang="fr-FR" sz="2800" dirty="0" err="1" smtClean="0"/>
-              <a:t>houses</a:t>
-            </a:r>
-            <a:r>
-              <a:rPr lang="fr-FR" sz="2800" dirty="0" smtClean="0"/>
-              <a:t> </a:t>
-            </a:r>
-            <a:r>
-              <a:rPr lang="fr-FR" sz="2800" dirty="0" err="1" smtClean="0"/>
-              <a:t>from</a:t>
-            </a:r>
-            <a:r>
-              <a:rPr lang="fr-FR" sz="2800" dirty="0" smtClean="0"/>
-              <a:t> </a:t>
-            </a:r>
-            <a:r>
-              <a:rPr lang="fr-FR" sz="2800" dirty="0" err="1" smtClean="0"/>
-              <a:t>zillow</a:t>
-            </a:r>
-            <a:r>
-              <a:rPr lang="fr-FR" sz="2800" dirty="0" smtClean="0"/>
-              <a:t>.</a:t>
-            </a:r>
-          </a:p>
-          <a:p>
-            <a:r>
-              <a:rPr lang="fr-FR" sz="2800" dirty="0" err="1" smtClean="0"/>
-              <a:t>We</a:t>
-            </a:r>
-            <a:r>
-              <a:rPr lang="fr-FR" sz="2800" dirty="0" smtClean="0"/>
-              <a:t> </a:t>
-            </a:r>
-            <a:r>
-              <a:rPr lang="fr-FR" sz="2800" dirty="0" err="1" smtClean="0"/>
-              <a:t>cleaned</a:t>
-            </a:r>
-            <a:r>
-              <a:rPr lang="fr-FR" sz="2800" dirty="0" smtClean="0"/>
-              <a:t> the data up and </a:t>
-            </a:r>
-            <a:r>
-              <a:rPr lang="fr-FR" sz="2800" dirty="0" err="1" smtClean="0"/>
-              <a:t>formatted</a:t>
-            </a:r>
-            <a:r>
-              <a:rPr lang="fr-FR" sz="2800" dirty="0" smtClean="0"/>
-              <a:t> </a:t>
-            </a:r>
-            <a:r>
-              <a:rPr lang="fr-FR" sz="2800" dirty="0" err="1" smtClean="0"/>
-              <a:t>it</a:t>
-            </a:r>
-            <a:r>
-              <a:rPr lang="fr-FR" sz="2800" dirty="0" smtClean="0"/>
-              <a:t> to fit </a:t>
-            </a:r>
-            <a:r>
-              <a:rPr lang="fr-FR" sz="2800" dirty="0" err="1" smtClean="0"/>
-              <a:t>our</a:t>
-            </a:r>
-            <a:r>
-              <a:rPr lang="fr-FR" sz="2800" dirty="0" smtClean="0"/>
-              <a:t> model.</a:t>
-            </a:r>
-          </a:p>
-          <a:p>
-            <a:r>
-              <a:rPr lang="fr-FR" sz="2800" dirty="0" err="1" smtClean="0"/>
-              <a:t>We</a:t>
-            </a:r>
-            <a:r>
-              <a:rPr lang="fr-FR" sz="2800" dirty="0" smtClean="0"/>
-              <a:t> </a:t>
-            </a:r>
-            <a:r>
-              <a:rPr lang="fr-FR" sz="2800" dirty="0" err="1" smtClean="0"/>
-              <a:t>had</a:t>
-            </a:r>
-            <a:r>
-              <a:rPr lang="fr-FR" sz="2800" dirty="0" smtClean="0"/>
-              <a:t> to </a:t>
-            </a:r>
-            <a:r>
-              <a:rPr lang="fr-FR" sz="2800" dirty="0" err="1" smtClean="0"/>
-              <a:t>limit</a:t>
-            </a:r>
-            <a:r>
-              <a:rPr lang="fr-FR" sz="2800" dirty="0" smtClean="0"/>
-              <a:t> </a:t>
-            </a:r>
-            <a:r>
-              <a:rPr lang="fr-FR" sz="2800" dirty="0" err="1" smtClean="0"/>
-              <a:t>it</a:t>
-            </a:r>
-            <a:r>
-              <a:rPr lang="fr-FR" sz="2800" dirty="0" smtClean="0"/>
-              <a:t> to </a:t>
-            </a:r>
-            <a:r>
-              <a:rPr lang="fr-FR" sz="2800" dirty="0" err="1" smtClean="0"/>
-              <a:t>Northern</a:t>
-            </a:r>
-            <a:r>
-              <a:rPr lang="fr-FR" sz="2800" dirty="0" smtClean="0"/>
-              <a:t> </a:t>
-            </a:r>
-            <a:r>
-              <a:rPr lang="fr-FR" sz="2800" dirty="0" err="1"/>
-              <a:t>C</a:t>
-            </a:r>
-            <a:r>
-              <a:rPr lang="fr-FR" sz="2800" dirty="0" err="1" smtClean="0"/>
-              <a:t>alifornia</a:t>
-            </a:r>
-            <a:r>
-              <a:rPr lang="fr-FR" sz="2800" dirty="0" smtClean="0"/>
-              <a:t> due to the volume of data.</a:t>
-            </a:r>
-          </a:p>
-        </p:txBody>
-      </p:sp>
-    </p:spTree>
-    <p:extLst>
-      <p:ext uri="{BB962C8B-B14F-4D97-AF65-F5344CB8AC3E}">
-        <p14:creationId xmlns:p14="http://schemas.microsoft.com/office/powerpoint/2010/main" val="3500037232"/>
-      </p:ext>
-    </p:extLst>
-  </p:cSld>
-  <p:clrMapOvr>
-    <a:overrideClrMapping bg1="lt1" tx1="dk1" bg2="lt2" tx2="dk2" accent1="accent1" accent2="accent2" accent3="accent3" accent4="accent4" accent5="accent5" accent6="accent6" hlink="hlink" folHlink="folHlink"/>
-  </p:clrMapOvr>
-  <p:timing>
-    <p:tnLst>
-      <p:par>
-        <p:cTn xmlns:p14="http://schemas.microsoft.com/office/powerpoint/2010/main" id="1" dur="indefinite" restart="never" nodeType="tmRoot">
-          <p:childTnLst>
-            <p:seq concurrent="1" nextAc="seek">
-              <p:cTn id="2" dur="indefinite" nodeType="mainSeq">
-                <p:childTnLst>
-                  <p:par>
-                    <p:cTn id="3" fill="hold">
-                      <p:stCondLst>
-                        <p:cond delay="indefinite"/>
-                        <p:cond evt="onBegin" delay="0">
-                          <p:tn val="2"/>
-                        </p:cond>
-                      </p:stCondLst>
-                      <p:childTnLst>
-                        <p:par>
-                          <p:cTn id="4" fill="hold">
-                            <p:stCondLst>
-                              <p:cond delay="0"/>
-                            </p:stCondLst>
-                            <p:childTnLst>
                               <p:par>
-                                <p:cTn id="5" presetID="1" presetClass="entr" presetSubtype="0" fill="hold" nodeType="withEffect">
+                                <p:cTn id="11" presetID="1" presetClass="entr" presetSubtype="0" fill="hold" nodeType="withEffect">
                                   <p:stCondLst>
                                     <p:cond delay="0"/>
                                   </p:stCondLst>
                                   <p:childTnLst>
                                     <p:set>
                                       <p:cBhvr>
-                                        <p:cTn id="6" dur="1" fill="hold">
+                                        <p:cTn id="12" dur="1" fill="hold">
                                           <p:stCondLst>
                                             <p:cond delay="0"/>
                                           </p:stCondLst>
@@ -5965,7 +6220,7 @@
                                         <p:tgtEl>
                                           <p:spTgt spid="4101">
                                             <p:txEl>
-                                              <p:pRg st="0" end="0"/>
+                                              <p:pRg st="3" end="3"/>
                                             </p:txEl>
                                           </p:spTgt>
                                         </p:tgtEl>
@@ -5980,15 +6235,33 @@
                                   </p:childTnLst>
                                 </p:cTn>
                               </p:par>
+                            </p:childTnLst>
+                          </p:cTn>
+                        </p:par>
+                      </p:childTnLst>
+                    </p:cTn>
+                  </p:par>
+                  <p:par>
+                    <p:cTn id="13" fill="hold">
+                      <p:stCondLst>
+                        <p:cond delay="indefinite"/>
+                      </p:stCondLst>
+                      <p:childTnLst>
+                        <p:par>
+                          <p:cTn id="14" fill="hold">
+                            <p:stCondLst>
+                              <p:cond delay="0"/>
+                            </p:stCondLst>
+                            <p:childTnLst>
                               <p:par>
-                                <p:cTn id="7" presetID="1" presetClass="entr" presetSubtype="0" fill="hold" nodeType="withEffect">
+                                <p:cTn id="15" presetID="1" presetClass="entr" presetSubtype="0" fill="hold" nodeType="clickEffect">
                                   <p:stCondLst>
                                     <p:cond delay="0"/>
                                   </p:stCondLst>
                                   <p:childTnLst>
                                     <p:set>
                                       <p:cBhvr>
-                                        <p:cTn id="8" dur="1" fill="hold">
+                                        <p:cTn id="16" dur="1" fill="hold">
                                           <p:stCondLst>
                                             <p:cond delay="0"/>
                                           </p:stCondLst>
@@ -5996,7 +6269,7 @@
                                         <p:tgtEl>
                                           <p:spTgt spid="4101">
                                             <p:txEl>
-                                              <p:pRg st="1" end="1"/>
+                                              <p:pRg st="4" end="4"/>
                                             </p:txEl>
                                           </p:spTgt>
                                         </p:tgtEl>
@@ -6011,15 +6284,33 @@
                                   </p:childTnLst>
                                 </p:cTn>
                               </p:par>
+                            </p:childTnLst>
+                          </p:cTn>
+                        </p:par>
+                      </p:childTnLst>
+                    </p:cTn>
+                  </p:par>
+                  <p:par>
+                    <p:cTn id="17" fill="hold">
+                      <p:stCondLst>
+                        <p:cond delay="indefinite"/>
+                      </p:stCondLst>
+                      <p:childTnLst>
+                        <p:par>
+                          <p:cTn id="18" fill="hold">
+                            <p:stCondLst>
+                              <p:cond delay="0"/>
+                            </p:stCondLst>
+                            <p:childTnLst>
                               <p:par>
-                                <p:cTn id="9" presetID="1" presetClass="entr" presetSubtype="0" fill="hold" nodeType="withEffect">
+                                <p:cTn id="19" presetID="1" presetClass="entr" presetSubtype="0" fill="hold" nodeType="clickEffect">
                                   <p:stCondLst>
                                     <p:cond delay="0"/>
                                   </p:stCondLst>
                                   <p:childTnLst>
                                     <p:set>
                                       <p:cBhvr>
-                                        <p:cTn id="10" dur="1" fill="hold">
+                                        <p:cTn id="20" dur="1" fill="hold">
                                           <p:stCondLst>
                                             <p:cond delay="0"/>
                                           </p:stCondLst>
@@ -6027,7 +6318,56 @@
                                         <p:tgtEl>
                                           <p:spTgt spid="4101">
                                             <p:txEl>
-                                              <p:pRg st="2" end="2"/>
+                                              <p:pRg st="5" end="5"/>
+                                            </p:txEl>
+                                          </p:spTgt>
+                                        </p:tgtEl>
+                                        <p:attrNameLst>
+                                          <p:attrName>style.visibility</p:attrName>
+                                        </p:attrNameLst>
+                                      </p:cBhvr>
+                                      <p:to>
+                                        <p:strVal val="visible"/>
+                                      </p:to>
+                                    </p:set>
+                                  </p:childTnLst>
+                                </p:cTn>
+                              </p:par>
+                            </p:childTnLst>
+                          </p:cTn>
+                        </p:par>
+                      </p:childTnLst>
+                    </p:cTn>
+                  </p:par>
+                  <p:par>
+                    <p:cTn id="21" fill="hold">
+                      <p:stCondLst>
+                        <p:cond delay="indefinite"/>
+                      </p:stCondLst>
+                      <p:childTnLst>
+                        <p:par>
+                          <p:cTn id="22" fill="hold">
+                            <p:stCondLst>
+                              <p:cond delay="0"/>
+                            </p:stCondLst>
+                            <p:childTnLst>
+                              <p:par>
+                                <p:cTn id="23" presetID="1" presetClass="entr" presetSubtype="0" fill="hold" nodeType="clickEffect">
+                                  <p:stCondLst>
+                                    <p:cond delay="0"/>
+                                  </p:stCondLst>
+                                  <p:childTnLst>
+                                    <p:set>
+                                      <p:cBhvr>
+                                        <p:cTn id="24" dur="1" fill="hold">
+                                          <p:stCondLst>
+                                            <p:cond delay="0"/>
+                                          </p:stCondLst>
+                                        </p:cTn>
+                                        <p:tgtEl>
+                                          <p:spTgt spid="4101">
+                                            <p:txEl>
+                                              <p:pRg st="6" end="6"/>
                                             </p:txEl>
                                           </p:spTgt>
                                         </p:tgtEl>

--- a/Final_Presentation.pptx
+++ b/Final_Presentation.pptx
@@ -14,8 +14,10 @@
     <p:sldId id="265" r:id="rId9"/>
     <p:sldId id="264" r:id="rId10"/>
     <p:sldId id="266" r:id="rId11"/>
-    <p:sldId id="263" r:id="rId12"/>
-    <p:sldId id="261" r:id="rId13"/>
+    <p:sldId id="269" r:id="rId12"/>
+    <p:sldId id="268" r:id="rId13"/>
+    <p:sldId id="263" r:id="rId14"/>
+    <p:sldId id="261" r:id="rId15"/>
   </p:sldIdLst>
   <p:sldSz cx="9144000" cy="6858000" type="screen4x3"/>
   <p:notesSz cx="6858000" cy="9144000"/>
@@ -3365,6 +3367,164 @@
           <a:chExt cx="0" cy="0"/>
         </a:xfrm>
       </p:grpSpPr>
+      <p:pic>
+        <p:nvPicPr>
+          <p:cNvPr id="4" name="Picture 3" descr="Screen Shot 2014-09-05 at 12.46.43 AM.png"/>
+          <p:cNvPicPr>
+            <a:picLocks/>
+          </p:cNvPicPr>
+          <p:nvPr/>
+        </p:nvPicPr>
+        <p:blipFill>
+          <a:blip r:embed="rId4">
+            <a:extLst>
+              <a:ext uri="{28A0092B-C50C-407E-A947-70E740481C1C}">
+                <a14:useLocalDpi xmlns:a14="http://schemas.microsoft.com/office/drawing/2010/main" val="0"/>
+              </a:ext>
+            </a:extLst>
+          </a:blip>
+          <a:stretch>
+            <a:fillRect/>
+          </a:stretch>
+        </p:blipFill>
+        <p:spPr>
+          <a:xfrm>
+            <a:off x="2917044" y="116632"/>
+            <a:ext cx="3311140" cy="5760720"/>
+          </a:xfrm>
+          <a:prstGeom prst="rect">
+            <a:avLst/>
+          </a:prstGeom>
+        </p:spPr>
+      </p:pic>
+    </p:spTree>
+    <p:extLst>
+      <p:ext uri="{BB962C8B-B14F-4D97-AF65-F5344CB8AC3E}">
+        <p14:creationId xmlns:p14="http://schemas.microsoft.com/office/powerpoint/2010/main" val="2652526525"/>
+      </p:ext>
+    </p:extLst>
+  </p:cSld>
+  <p:clrMapOvr>
+    <a:overrideClrMapping bg1="lt1" tx1="dk1" bg2="lt2" tx2="dk2" accent1="accent1" accent2="accent2" accent3="accent3" accent4="accent4" accent5="accent5" accent6="accent6" hlink="hlink" folHlink="folHlink"/>
+  </p:clrMapOvr>
+  <p:timing>
+    <p:tnLst>
+      <p:par>
+        <p:cTn xmlns:p14="http://schemas.microsoft.com/office/powerpoint/2010/main" id="1" dur="indefinite" restart="never" nodeType="tmRoot"/>
+      </p:par>
+    </p:tnLst>
+  </p:timing>
+</p:sld>
+</file>
+
+<file path=ppt/slides/slide11.xml><?xml version="1.0" encoding="utf-8"?>
+<p:sld xmlns:a="http://schemas.openxmlformats.org/drawingml/2006/main" xmlns:r="http://schemas.openxmlformats.org/officeDocument/2006/relationships" xmlns:p="http://schemas.openxmlformats.org/presentationml/2006/main">
+  <p:cSld>
+    <p:bg>
+      <p:bgPr>
+        <a:blipFill dpi="0" rotWithShape="0">
+          <a:blip r:embed="rId3"/>
+          <a:srcRect/>
+          <a:stretch>
+            <a:fillRect/>
+          </a:stretch>
+        </a:blipFill>
+        <a:effectLst/>
+      </p:bgPr>
+    </p:bg>
+    <p:spTree>
+      <p:nvGrpSpPr>
+        <p:cNvPr id="1" name=""/>
+        <p:cNvGrpSpPr/>
+        <p:nvPr/>
+      </p:nvGrpSpPr>
+      <p:grpSpPr>
+        <a:xfrm>
+          <a:off x="0" y="0"/>
+          <a:ext cx="0" cy="0"/>
+          <a:chOff x="0" y="0"/>
+          <a:chExt cx="0" cy="0"/>
+        </a:xfrm>
+      </p:grpSpPr>
+      <p:pic>
+        <p:nvPicPr>
+          <p:cNvPr id="2" name="Picture 1" descr="Screen Shot 2014-09-05 at 12.47.08 AM.png"/>
+          <p:cNvPicPr>
+            <a:picLocks/>
+          </p:cNvPicPr>
+          <p:nvPr/>
+        </p:nvPicPr>
+        <p:blipFill>
+          <a:blip r:embed="rId4">
+            <a:extLst>
+              <a:ext uri="{28A0092B-C50C-407E-A947-70E740481C1C}">
+                <a14:useLocalDpi xmlns:a14="http://schemas.microsoft.com/office/drawing/2010/main" val="0"/>
+              </a:ext>
+            </a:extLst>
+          </a:blip>
+          <a:stretch>
+            <a:fillRect/>
+          </a:stretch>
+        </p:blipFill>
+        <p:spPr>
+          <a:xfrm>
+            <a:off x="2915816" y="116552"/>
+            <a:ext cx="3319272" cy="5760720"/>
+          </a:xfrm>
+          <a:prstGeom prst="rect">
+            <a:avLst/>
+          </a:prstGeom>
+        </p:spPr>
+      </p:pic>
+    </p:spTree>
+    <p:extLst>
+      <p:ext uri="{BB962C8B-B14F-4D97-AF65-F5344CB8AC3E}">
+        <p14:creationId xmlns:p14="http://schemas.microsoft.com/office/powerpoint/2010/main" val="2265775968"/>
+      </p:ext>
+    </p:extLst>
+  </p:cSld>
+  <p:clrMapOvr>
+    <a:overrideClrMapping bg1="lt1" tx1="dk1" bg2="lt2" tx2="dk2" accent1="accent1" accent2="accent2" accent3="accent3" accent4="accent4" accent5="accent5" accent6="accent6" hlink="hlink" folHlink="folHlink"/>
+  </p:clrMapOvr>
+  <p:timing>
+    <p:tnLst>
+      <p:par>
+        <p:cTn xmlns:p14="http://schemas.microsoft.com/office/powerpoint/2010/main" id="1" dur="indefinite" restart="never" nodeType="tmRoot"/>
+      </p:par>
+    </p:tnLst>
+  </p:timing>
+</p:sld>
+</file>
+
+<file path=ppt/slides/slide12.xml><?xml version="1.0" encoding="utf-8"?>
+<p:sld xmlns:a="http://schemas.openxmlformats.org/drawingml/2006/main" xmlns:r="http://schemas.openxmlformats.org/officeDocument/2006/relationships" xmlns:p="http://schemas.openxmlformats.org/presentationml/2006/main">
+  <p:cSld>
+    <p:bg>
+      <p:bgPr>
+        <a:blipFill dpi="0" rotWithShape="0">
+          <a:blip r:embed="rId3"/>
+          <a:srcRect/>
+          <a:stretch>
+            <a:fillRect/>
+          </a:stretch>
+        </a:blipFill>
+        <a:effectLst/>
+      </p:bgPr>
+    </p:bg>
+    <p:spTree>
+      <p:nvGrpSpPr>
+        <p:cNvPr id="1" name=""/>
+        <p:cNvGrpSpPr/>
+        <p:nvPr/>
+      </p:nvGrpSpPr>
+      <p:grpSpPr>
+        <a:xfrm>
+          <a:off x="0" y="0"/>
+          <a:ext cx="0" cy="0"/>
+          <a:chOff x="0" y="0"/>
+          <a:chExt cx="0" cy="0"/>
+        </a:xfrm>
+      </p:grpSpPr>
       <p:sp>
         <p:nvSpPr>
           <p:cNvPr id="4100" name="Rectangle 4"/>
@@ -3444,7 +3604,7 @@
 </p:sld>
 </file>
 
-<file path=ppt/slides/slide11.xml><?xml version="1.0" encoding="utf-8"?>
+<file path=ppt/slides/slide13.xml><?xml version="1.0" encoding="utf-8"?>
 <p:sld xmlns:a="http://schemas.openxmlformats.org/drawingml/2006/main" xmlns:r="http://schemas.openxmlformats.org/officeDocument/2006/relationships" xmlns:p="http://schemas.openxmlformats.org/presentationml/2006/main">
   <p:cSld>
     <p:bg>
@@ -6444,7 +6604,7 @@
       </p:grpSpPr>
       <p:pic>
         <p:nvPicPr>
-          <p:cNvPr id="3" name="Picture 2" descr="Screen Shot 2014-09-05 at 12.13.19 AM.png"/>
+          <p:cNvPr id="2" name="Picture 1" descr="Screen Shot 2014-09-05 at 12.46.29 AM.png"/>
           <p:cNvPicPr>
             <a:picLocks noChangeAspect="1"/>
           </p:cNvPicPr>
@@ -6464,50 +6624,14 @@
         </p:blipFill>
         <p:spPr>
           <a:xfrm>
-            <a:off x="3275856" y="813799"/>
-            <a:ext cx="2917304" cy="5063473"/>
+            <a:off x="2915816" y="116632"/>
+            <a:ext cx="3312368" cy="5760640"/>
           </a:xfrm>
           <a:prstGeom prst="rect">
             <a:avLst/>
           </a:prstGeom>
         </p:spPr>
       </p:pic>
-      <p:sp>
-        <p:nvSpPr>
-          <p:cNvPr id="4101" name="Rectangle 5"/>
-          <p:cNvSpPr>
-            <a:spLocks noGrp="1" noChangeArrowheads="1"/>
-          </p:cNvSpPr>
-          <p:nvPr>
-            <p:ph idx="1"/>
-          </p:nvPr>
-        </p:nvSpPr>
-        <p:spPr>
-          <a:xfrm>
-            <a:off x="3131840" y="116632"/>
-            <a:ext cx="3240360" cy="536923"/>
-          </a:xfrm>
-          <a:noFill/>
-          <a:ln/>
-        </p:spPr>
-        <p:txBody>
-          <a:bodyPr anchor="ctr"/>
-          <a:lstStyle/>
-          <a:p>
-            <a:pPr marL="0" indent="0" algn="ctr">
-              <a:buNone/>
-            </a:pPr>
-            <a:r>
-              <a:rPr lang="fr-FR" sz="4400" dirty="0" err="1" smtClean="0"/>
-              <a:t>Demo</a:t>
-            </a:r>
-            <a:r>
-              <a:rPr lang="fr-FR" sz="4400" dirty="0" smtClean="0"/>
-              <a:t>!</a:t>
-            </a:r>
-          </a:p>
-        </p:txBody>
-      </p:sp>
     </p:spTree>
     <p:extLst>
       <p:ext uri="{BB962C8B-B14F-4D97-AF65-F5344CB8AC3E}">
@@ -6521,82 +6645,7 @@
   <p:timing>
     <p:tnLst>
       <p:par>
-        <p:cTn xmlns:p14="http://schemas.microsoft.com/office/powerpoint/2010/main" id="1" dur="indefinite" restart="never" nodeType="tmRoot">
-          <p:childTnLst>
-            <p:seq concurrent="1" nextAc="seek">
-              <p:cTn id="2" dur="indefinite" nodeType="mainSeq">
-                <p:childTnLst>
-                  <p:par>
-                    <p:cTn id="3" fill="hold">
-                      <p:stCondLst>
-                        <p:cond delay="indefinite"/>
-                        <p:cond evt="onBegin" delay="0">
-                          <p:tn val="2"/>
-                        </p:cond>
-                      </p:stCondLst>
-                      <p:childTnLst>
-                        <p:par>
-                          <p:cTn id="4" fill="hold">
-                            <p:stCondLst>
-                              <p:cond delay="0"/>
-                            </p:stCondLst>
-                            <p:childTnLst>
-                              <p:par>
-                                <p:cTn id="5" presetID="1" presetClass="entr" presetSubtype="0" fill="hold" nodeType="withEffect">
-                                  <p:stCondLst>
-                                    <p:cond delay="0"/>
-                                  </p:stCondLst>
-                                  <p:childTnLst>
-                                    <p:set>
-                                      <p:cBhvr>
-                                        <p:cTn id="6" dur="1" fill="hold">
-                                          <p:stCondLst>
-                                            <p:cond delay="0"/>
-                                          </p:stCondLst>
-                                        </p:cTn>
-                                        <p:tgtEl>
-                                          <p:spTgt spid="4101">
-                                            <p:txEl>
-                                              <p:pRg st="0" end="0"/>
-                                            </p:txEl>
-                                          </p:spTgt>
-                                        </p:tgtEl>
-                                        <p:attrNameLst>
-                                          <p:attrName>style.visibility</p:attrName>
-                                        </p:attrNameLst>
-                                      </p:cBhvr>
-                                      <p:to>
-                                        <p:strVal val="visible"/>
-                                      </p:to>
-                                    </p:set>
-                                  </p:childTnLst>
-                                </p:cTn>
-                              </p:par>
-                            </p:childTnLst>
-                          </p:cTn>
-                        </p:par>
-                      </p:childTnLst>
-                    </p:cTn>
-                  </p:par>
-                </p:childTnLst>
-              </p:cTn>
-              <p:prevCondLst>
-                <p:cond evt="onPrev" delay="0">
-                  <p:tgtEl>
-                    <p:sldTgt/>
-                  </p:tgtEl>
-                </p:cond>
-              </p:prevCondLst>
-              <p:nextCondLst>
-                <p:cond evt="onNext" delay="0">
-                  <p:tgtEl>
-                    <p:sldTgt/>
-                  </p:tgtEl>
-                </p:cond>
-              </p:nextCondLst>
-            </p:seq>
-          </p:childTnLst>
-        </p:cTn>
+        <p:cTn xmlns:p14="http://schemas.microsoft.com/office/powerpoint/2010/main" id="1" dur="indefinite" restart="never" nodeType="tmRoot"/>
       </p:par>
     </p:tnLst>
   </p:timing>
@@ -7364,6 +7413,92 @@
 </a:themeOverride>
 </file>
 
+<file path=ppt/theme/themeOverride10.xml><?xml version="1.0" encoding="utf-8"?>
+<a:themeOverride xmlns:a="http://schemas.openxmlformats.org/drawingml/2006/main">
+  <a:clrScheme name="Modèle par défaut 1">
+    <a:dk1>
+      <a:srgbClr val="000000"/>
+    </a:dk1>
+    <a:lt1>
+      <a:srgbClr val="FFFFFF"/>
+    </a:lt1>
+    <a:dk2>
+      <a:srgbClr val="000000"/>
+    </a:dk2>
+    <a:lt2>
+      <a:srgbClr val="808080"/>
+    </a:lt2>
+    <a:accent1>
+      <a:srgbClr val="BBE0E3"/>
+    </a:accent1>
+    <a:accent2>
+      <a:srgbClr val="333399"/>
+    </a:accent2>
+    <a:accent3>
+      <a:srgbClr val="FFFFFF"/>
+    </a:accent3>
+    <a:accent4>
+      <a:srgbClr val="000000"/>
+    </a:accent4>
+    <a:accent5>
+      <a:srgbClr val="DAEDEF"/>
+    </a:accent5>
+    <a:accent6>
+      <a:srgbClr val="2D2D8A"/>
+    </a:accent6>
+    <a:hlink>
+      <a:srgbClr val="009999"/>
+    </a:hlink>
+    <a:folHlink>
+      <a:srgbClr val="99CC00"/>
+    </a:folHlink>
+  </a:clrScheme>
+</a:themeOverride>
+</file>
+
+<file path=ppt/theme/themeOverride11.xml><?xml version="1.0" encoding="utf-8"?>
+<a:themeOverride xmlns:a="http://schemas.openxmlformats.org/drawingml/2006/main">
+  <a:clrScheme name="Modèle par défaut 1">
+    <a:dk1>
+      <a:srgbClr val="000000"/>
+    </a:dk1>
+    <a:lt1>
+      <a:srgbClr val="FFFFFF"/>
+    </a:lt1>
+    <a:dk2>
+      <a:srgbClr val="000000"/>
+    </a:dk2>
+    <a:lt2>
+      <a:srgbClr val="808080"/>
+    </a:lt2>
+    <a:accent1>
+      <a:srgbClr val="BBE0E3"/>
+    </a:accent1>
+    <a:accent2>
+      <a:srgbClr val="333399"/>
+    </a:accent2>
+    <a:accent3>
+      <a:srgbClr val="FFFFFF"/>
+    </a:accent3>
+    <a:accent4>
+      <a:srgbClr val="000000"/>
+    </a:accent4>
+    <a:accent5>
+      <a:srgbClr val="DAEDEF"/>
+    </a:accent5>
+    <a:accent6>
+      <a:srgbClr val="2D2D8A"/>
+    </a:accent6>
+    <a:hlink>
+      <a:srgbClr val="009999"/>
+    </a:hlink>
+    <a:folHlink>
+      <a:srgbClr val="99CC00"/>
+    </a:folHlink>
+  </a:clrScheme>
+</a:themeOverride>
+</file>
+
 <file path=ppt/theme/themeOverride2.xml><?xml version="1.0" encoding="utf-8"?>
 <a:themeOverride xmlns:a="http://schemas.openxmlformats.org/drawingml/2006/main">
   <a:clrScheme name="Modèle par défaut 1">

--- a/Final_Presentation.pptx
+++ b/Final_Presentation.pptx
@@ -4957,6 +4957,71 @@
           <a:chExt cx="0" cy="0"/>
         </a:xfrm>
       </p:grpSpPr>
+      <p:pic>
+        <p:nvPicPr>
+          <p:cNvPr id="2" name="Content Placeholder 1" descr="Screen Shot 2014-08-29 at 11.20.07 PM.png"/>
+          <p:cNvPicPr>
+            <a:picLocks noGrp="1" noChangeAspect="1"/>
+          </p:cNvPicPr>
+          <p:nvPr>
+            <p:ph idx="1"/>
+          </p:nvPr>
+        </p:nvPicPr>
+        <p:blipFill>
+          <a:blip r:embed="rId4">
+            <a:extLst>
+              <a:ext uri="{28A0092B-C50C-407E-A947-70E740481C1C}">
+                <a14:useLocalDpi xmlns:a14="http://schemas.microsoft.com/office/drawing/2010/main" val="0"/>
+              </a:ext>
+            </a:extLst>
+          </a:blip>
+          <a:srcRect t="18848" b="18848"/>
+          <a:stretch>
+            <a:fillRect/>
+          </a:stretch>
+        </p:blipFill>
+        <p:spPr>
+          <a:xfrm>
+            <a:off x="611560" y="1124744"/>
+            <a:ext cx="7992888" cy="5544616"/>
+          </a:xfrm>
+          <a:prstGeom prst="rect">
+            <a:avLst/>
+          </a:prstGeom>
+          <a:solidFill>
+            <a:srgbClr val="FFFFFF">
+              <a:shade val="85000"/>
+            </a:srgbClr>
+          </a:solidFill>
+          <a:ln w="190500" cap="sq">
+            <a:solidFill>
+              <a:srgbClr val="FFFFFF"/>
+            </a:solidFill>
+            <a:miter lim="800000"/>
+          </a:ln>
+          <a:effectLst>
+            <a:outerShdw blurRad="65000" dist="50800" dir="12900000" kx="195000" ky="145000" algn="tl" rotWithShape="0">
+              <a:srgbClr val="000000">
+                <a:alpha val="30000"/>
+              </a:srgbClr>
+            </a:outerShdw>
+          </a:effectLst>
+          <a:scene3d>
+            <a:camera prst="orthographicFront">
+              <a:rot lat="0" lon="0" rev="360000"/>
+            </a:camera>
+            <a:lightRig rig="twoPt" dir="t">
+              <a:rot lat="0" lon="0" rev="7200000"/>
+            </a:lightRig>
+          </a:scene3d>
+          <a:sp3d contourW="12700">
+            <a:bevelT w="25400" h="19050"/>
+            <a:contourClr>
+              <a:srgbClr val="969696"/>
+            </a:contourClr>
+          </a:sp3d>
+        </p:spPr>
+      </p:pic>
       <p:sp>
         <p:nvSpPr>
           <p:cNvPr id="4100" name="Rectangle 4"/>
@@ -4991,36 +5056,6 @@
       <p:pic>
         <p:nvPicPr>
           <p:cNvPr id="4" name="Picture 3" descr="Screen Shot 2014-08-29 at 11.21.44 PM.png"/>
-          <p:cNvPicPr>
-            <a:picLocks noChangeAspect="1"/>
-          </p:cNvPicPr>
-          <p:nvPr/>
-        </p:nvPicPr>
-        <p:blipFill>
-          <a:blip r:embed="rId4">
-            <a:extLst>
-              <a:ext uri="{28A0092B-C50C-407E-A947-70E740481C1C}">
-                <a14:useLocalDpi xmlns:a14="http://schemas.microsoft.com/office/drawing/2010/main" val="0"/>
-              </a:ext>
-            </a:extLst>
-          </a:blip>
-          <a:stretch>
-            <a:fillRect/>
-          </a:stretch>
-        </p:blipFill>
-        <p:spPr>
-          <a:xfrm>
-            <a:off x="13921" y="3861048"/>
-            <a:ext cx="4499992" cy="2996952"/>
-          </a:xfrm>
-          <a:prstGeom prst="rect">
-            <a:avLst/>
-          </a:prstGeom>
-        </p:spPr>
-      </p:pic>
-      <p:pic>
-        <p:nvPicPr>
-          <p:cNvPr id="3" name="Picture 2" descr="Screen Shot 2014-08-29 at 11.19.50 PM.png"/>
           <p:cNvPicPr>
             <a:picLocks noChangeAspect="1"/>
           </p:cNvPicPr>
@@ -5040,23 +5075,53 @@
         </p:blipFill>
         <p:spPr>
           <a:xfrm>
-            <a:off x="0" y="1196753"/>
-            <a:ext cx="4572000" cy="2592288"/>
+            <a:off x="3995936" y="3501008"/>
+            <a:ext cx="4499992" cy="2996952"/>
           </a:xfrm>
           <a:prstGeom prst="rect">
             <a:avLst/>
           </a:prstGeom>
+          <a:solidFill>
+            <a:srgbClr val="FFFFFF">
+              <a:shade val="85000"/>
+            </a:srgbClr>
+          </a:solidFill>
+          <a:ln w="190500" cap="sq">
+            <a:solidFill>
+              <a:srgbClr val="FFFFFF"/>
+            </a:solidFill>
+            <a:miter lim="800000"/>
+          </a:ln>
+          <a:effectLst>
+            <a:outerShdw blurRad="65000" dist="50800" dir="12900000" kx="195000" ky="145000" algn="tl" rotWithShape="0">
+              <a:srgbClr val="000000">
+                <a:alpha val="30000"/>
+              </a:srgbClr>
+            </a:outerShdw>
+          </a:effectLst>
+          <a:scene3d>
+            <a:camera prst="orthographicFront">
+              <a:rot lat="0" lon="0" rev="360000"/>
+            </a:camera>
+            <a:lightRig rig="twoPt" dir="t">
+              <a:rot lat="0" lon="0" rev="7200000"/>
+            </a:lightRig>
+          </a:scene3d>
+          <a:sp3d contourW="12700">
+            <a:bevelT w="25400" h="19050"/>
+            <a:contourClr>
+              <a:srgbClr val="969696"/>
+            </a:contourClr>
+          </a:sp3d>
         </p:spPr>
       </p:pic>
       <p:pic>
         <p:nvPicPr>
-          <p:cNvPr id="2" name="Content Placeholder 1" descr="Screen Shot 2014-08-29 at 11.20.07 PM.png"/>
+          <p:cNvPr id="3" name="Picture 2" descr="Screen Shot 2014-08-29 at 11.19.50 PM.png"/>
           <p:cNvPicPr>
-            <a:picLocks noGrp="1" noChangeAspect="1"/>
+            <a:picLocks noChangeAspect="1"/>
           </p:cNvPicPr>
-          <p:nvPr>
-            <p:ph idx="1"/>
-          </p:nvPr>
+          <p:nvPr/>
         </p:nvPicPr>
         <p:blipFill>
           <a:blip r:embed="rId6">
@@ -5066,18 +5131,50 @@
               </a:ext>
             </a:extLst>
           </a:blip>
-          <a:srcRect t="18848" b="18848"/>
           <a:stretch>
             <a:fillRect/>
           </a:stretch>
         </p:blipFill>
         <p:spPr>
           <a:xfrm>
-            <a:off x="4559457" y="1196752"/>
-            <a:ext cx="4608512" cy="5544616"/>
+            <a:off x="107504" y="1196752"/>
+            <a:ext cx="4427984" cy="2510632"/>
           </a:xfrm>
-          <a:noFill/>
-          <a:ln/>
+          <a:prstGeom prst="rect">
+            <a:avLst/>
+          </a:prstGeom>
+          <a:solidFill>
+            <a:srgbClr val="FFFFFF">
+              <a:shade val="85000"/>
+            </a:srgbClr>
+          </a:solidFill>
+          <a:ln w="190500" cap="sq">
+            <a:solidFill>
+              <a:srgbClr val="FFFFFF"/>
+            </a:solidFill>
+            <a:miter lim="800000"/>
+          </a:ln>
+          <a:effectLst>
+            <a:outerShdw blurRad="65000" dist="50800" dir="12900000" kx="195000" ky="145000" algn="tl" rotWithShape="0">
+              <a:srgbClr val="000000">
+                <a:alpha val="30000"/>
+              </a:srgbClr>
+            </a:outerShdw>
+          </a:effectLst>
+          <a:scene3d>
+            <a:camera prst="orthographicFront">
+              <a:rot lat="0" lon="0" rev="360000"/>
+            </a:camera>
+            <a:lightRig rig="twoPt" dir="t">
+              <a:rot lat="0" lon="0" rev="7200000"/>
+            </a:lightRig>
+          </a:scene3d>
+          <a:sp3d contourW="12700">
+            <a:bevelT w="25400" h="19050"/>
+            <a:contourClr>
+              <a:srgbClr val="969696"/>
+            </a:contourClr>
+          </a:sp3d>
         </p:spPr>
       </p:pic>
     </p:spTree>
@@ -5124,7 +5221,7 @@
                                           </p:stCondLst>
                                         </p:cTn>
                                         <p:tgtEl>
-                                          <p:spTgt spid="4"/>
+                                          <p:spTgt spid="2"/>
                                         </p:tgtEl>
                                         <p:attrNameLst>
                                           <p:attrName>style.visibility</p:attrName>
@@ -5169,7 +5266,7 @@
                                           </p:stCondLst>
                                         </p:cTn>
                                         <p:tgtEl>
-                                          <p:spTgt spid="3"/>
+                                          <p:spTgt spid="4"/>
                                         </p:tgtEl>
                                         <p:attrNameLst>
                                           <p:attrName>style.visibility</p:attrName>
@@ -5214,7 +5311,7 @@
                                           </p:stCondLst>
                                         </p:cTn>
                                         <p:tgtEl>
-                                          <p:spTgt spid="2"/>
+                                          <p:spTgt spid="3"/>
                                         </p:tgtEl>
                                         <p:attrNameLst>
                                           <p:attrName>style.visibility</p:attrName>
@@ -5395,6 +5492,100 @@
           </a:p>
         </p:txBody>
       </p:sp>
+      <p:pic>
+        <p:nvPicPr>
+          <p:cNvPr id="2" name="Picture 1"/>
+          <p:cNvPicPr>
+            <a:picLocks noChangeAspect="1"/>
+          </p:cNvPicPr>
+          <p:nvPr/>
+        </p:nvPicPr>
+        <p:blipFill rotWithShape="1">
+          <a:blip r:embed="rId4"/>
+          <a:srcRect r="18370"/>
+          <a:stretch/>
+        </p:blipFill>
+        <p:spPr>
+          <a:xfrm>
+            <a:off x="4932040" y="2924944"/>
+            <a:ext cx="3816424" cy="2689528"/>
+          </a:xfrm>
+          <a:prstGeom prst="roundRect">
+            <a:avLst>
+              <a:gd name="adj" fmla="val 16667"/>
+            </a:avLst>
+          </a:prstGeom>
+          <a:ln>
+            <a:noFill/>
+          </a:ln>
+          <a:effectLst>
+            <a:outerShdw blurRad="152400" dist="12000" dir="900000" sy="98000" kx="110000" ky="200000" algn="tl" rotWithShape="0">
+              <a:srgbClr val="000000">
+                <a:alpha val="30000"/>
+              </a:srgbClr>
+            </a:outerShdw>
+          </a:effectLst>
+          <a:scene3d>
+            <a:camera prst="perspectiveRelaxed">
+              <a:rot lat="19800000" lon="1200000" rev="20820000"/>
+            </a:camera>
+            <a:lightRig rig="threePt" dir="t"/>
+          </a:scene3d>
+          <a:sp3d contourW="6350" prstMaterial="matte">
+            <a:bevelT w="101600" h="101600"/>
+            <a:contourClr>
+              <a:srgbClr val="969696"/>
+            </a:contourClr>
+          </a:sp3d>
+        </p:spPr>
+      </p:pic>
+      <p:pic>
+        <p:nvPicPr>
+          <p:cNvPr id="3" name="Picture 2"/>
+          <p:cNvPicPr>
+            <a:picLocks noChangeAspect="1"/>
+          </p:cNvPicPr>
+          <p:nvPr/>
+        </p:nvPicPr>
+        <p:blipFill rotWithShape="1">
+          <a:blip r:embed="rId5"/>
+          <a:srcRect l="15164" r="15961"/>
+          <a:stretch/>
+        </p:blipFill>
+        <p:spPr>
+          <a:xfrm>
+            <a:off x="5076056" y="116632"/>
+            <a:ext cx="3872113" cy="2520280"/>
+          </a:xfrm>
+          <a:prstGeom prst="roundRect">
+            <a:avLst>
+              <a:gd name="adj" fmla="val 16667"/>
+            </a:avLst>
+          </a:prstGeom>
+          <a:ln>
+            <a:noFill/>
+          </a:ln>
+          <a:effectLst>
+            <a:outerShdw blurRad="152400" dist="12000" dir="900000" sy="98000" kx="110000" ky="200000" algn="tl" rotWithShape="0">
+              <a:srgbClr val="000000">
+                <a:alpha val="30000"/>
+              </a:srgbClr>
+            </a:outerShdw>
+          </a:effectLst>
+          <a:scene3d>
+            <a:camera prst="perspectiveRelaxed">
+              <a:rot lat="19800000" lon="1200000" rev="20820000"/>
+            </a:camera>
+            <a:lightRig rig="threePt" dir="t"/>
+          </a:scene3d>
+          <a:sp3d contourW="6350" prstMaterial="matte">
+            <a:bevelT w="101600" h="101600"/>
+            <a:contourClr>
+              <a:srgbClr val="969696"/>
+            </a:contourClr>
+          </a:sp3d>
+        </p:spPr>
+      </p:pic>
     </p:spTree>
     <p:extLst>
       <p:ext uri="{BB962C8B-B14F-4D97-AF65-F5344CB8AC3E}">
@@ -5581,6 +5772,96 @@
                                           </p:stCondLst>
                                         </p:cTn>
                                         <p:tgtEl>
+                                          <p:spTgt spid="3"/>
+                                        </p:tgtEl>
+                                        <p:attrNameLst>
+                                          <p:attrName>style.visibility</p:attrName>
+                                        </p:attrNameLst>
+                                      </p:cBhvr>
+                                      <p:to>
+                                        <p:strVal val="visible"/>
+                                      </p:to>
+                                    </p:set>
+                                  </p:childTnLst>
+                                </p:cTn>
+                              </p:par>
+                            </p:childTnLst>
+                          </p:cTn>
+                        </p:par>
+                      </p:childTnLst>
+                    </p:cTn>
+                  </p:par>
+                  <p:par>
+                    <p:cTn id="17" fill="hold">
+                      <p:stCondLst>
+                        <p:cond delay="indefinite"/>
+                      </p:stCondLst>
+                      <p:childTnLst>
+                        <p:par>
+                          <p:cTn id="18" fill="hold">
+                            <p:stCondLst>
+                              <p:cond delay="0"/>
+                            </p:stCondLst>
+                            <p:childTnLst>
+                              <p:par>
+                                <p:cTn id="19" presetID="1" presetClass="entr" presetSubtype="0" fill="hold" nodeType="clickEffect">
+                                  <p:stCondLst>
+                                    <p:cond delay="0"/>
+                                  </p:stCondLst>
+                                  <p:childTnLst>
+                                    <p:set>
+                                      <p:cBhvr>
+                                        <p:cTn id="20" dur="1" fill="hold">
+                                          <p:stCondLst>
+                                            <p:cond delay="0"/>
+                                          </p:stCondLst>
+                                        </p:cTn>
+                                        <p:tgtEl>
+                                          <p:spTgt spid="2"/>
+                                        </p:tgtEl>
+                                        <p:attrNameLst>
+                                          <p:attrName>style.visibility</p:attrName>
+                                        </p:attrNameLst>
+                                      </p:cBhvr>
+                                      <p:to>
+                                        <p:strVal val="visible"/>
+                                      </p:to>
+                                    </p:set>
+                                  </p:childTnLst>
+                                </p:cTn>
+                              </p:par>
+                            </p:childTnLst>
+                          </p:cTn>
+                        </p:par>
+                      </p:childTnLst>
+                    </p:cTn>
+                  </p:par>
+                  <p:par>
+                    <p:cTn id="21" fill="hold">
+                      <p:stCondLst>
+                        <p:cond delay="indefinite"/>
+                      </p:stCondLst>
+                      <p:childTnLst>
+                        <p:par>
+                          <p:cTn id="22" fill="hold">
+                            <p:stCondLst>
+                              <p:cond delay="0"/>
+                            </p:stCondLst>
+                            <p:childTnLst>
+                              <p:par>
+                                <p:cTn id="23" presetID="1" presetClass="entr" presetSubtype="0" fill="hold" nodeType="clickEffect">
+                                  <p:stCondLst>
+                                    <p:cond delay="0"/>
+                                  </p:stCondLst>
+                                  <p:childTnLst>
+                                    <p:set>
+                                      <p:cBhvr>
+                                        <p:cTn id="24" dur="1" fill="hold">
+                                          <p:stCondLst>
+                                            <p:cond delay="0"/>
+                                          </p:stCondLst>
+                                        </p:cTn>
+                                        <p:tgtEl>
                                           <p:spTgt spid="4101">
                                             <p:txEl>
                                               <p:pRg st="4" end="4"/>
@@ -5679,15 +5960,7 @@
             <a:pPr algn="l"/>
             <a:r>
               <a:rPr lang="fr-CA" dirty="0" smtClean="0"/>
-              <a:t>Unique </a:t>
-            </a:r>
-            <a:r>
-              <a:rPr lang="fr-CA" dirty="0" smtClean="0"/>
-              <a:t>Value </a:t>
-            </a:r>
-            <a:r>
-              <a:rPr lang="fr-CA" dirty="0" smtClean="0"/>
-              <a:t>Proposition</a:t>
+              <a:t>Unique Value Proposition</a:t>
             </a:r>
             <a:endParaRPr lang="fr-FR" dirty="0"/>
           </a:p>
@@ -6088,11 +6361,7 @@
             </a:r>
             <a:r>
               <a:rPr lang="fr-FR" sz="2800" dirty="0" smtClean="0"/>
-              <a:t> </a:t>
-            </a:r>
-            <a:r>
-              <a:rPr lang="fr-FR" sz="2800" dirty="0" smtClean="0"/>
-              <a:t>the data for </a:t>
+              <a:t> the data for </a:t>
             </a:r>
             <a:r>
               <a:rPr lang="fr-FR" sz="2800" dirty="0" err="1" smtClean="0"/>
@@ -6237,7 +6506,6 @@
               <a:rPr lang="fr-FR" sz="2800" dirty="0" smtClean="0"/>
               <a:t>.</a:t>
             </a:r>
-            <a:endParaRPr lang="fr-FR" sz="2800" dirty="0" smtClean="0"/>
           </a:p>
         </p:txBody>
       </p:sp>

--- a/Final_Presentation.pptx
+++ b/Final_Presentation.pptx
@@ -5075,8 +5075,8 @@
         </p:blipFill>
         <p:spPr>
           <a:xfrm>
-            <a:off x="3995936" y="3501008"/>
-            <a:ext cx="4499992" cy="2996952"/>
+            <a:off x="3995936" y="3501007"/>
+            <a:ext cx="4968552" cy="3309009"/>
           </a:xfrm>
           <a:prstGeom prst="rect">
             <a:avLst/>
